--- a/src/main/resources/ppt/后端技术分享之日常开发中的常用技巧.pptx
+++ b/src/main/resources/ppt/后端技术分享之日常开发中的常用技巧.pptx
@@ -5,7 +5,7 @@
     <p:sldMasterId id="2147483648" r:id="rId1"/>
   </p:sldMasterIdLst>
   <p:notesMasterIdLst>
-    <p:notesMasterId r:id="rId40"/>
+    <p:notesMasterId r:id="rId39"/>
   </p:notesMasterIdLst>
   <p:sldIdLst>
     <p:sldId id="483" r:id="rId2"/>
@@ -35,17 +35,16 @@
     <p:sldId id="528" r:id="rId26"/>
     <p:sldId id="529" r:id="rId27"/>
     <p:sldId id="526" r:id="rId28"/>
-    <p:sldId id="527" r:id="rId29"/>
-    <p:sldId id="505" r:id="rId30"/>
-    <p:sldId id="506" r:id="rId31"/>
-    <p:sldId id="507" r:id="rId32"/>
-    <p:sldId id="508" r:id="rId33"/>
-    <p:sldId id="509" r:id="rId34"/>
-    <p:sldId id="510" r:id="rId35"/>
-    <p:sldId id="511" r:id="rId36"/>
-    <p:sldId id="512" r:id="rId37"/>
-    <p:sldId id="513" r:id="rId38"/>
-    <p:sldId id="514" r:id="rId39"/>
+    <p:sldId id="505" r:id="rId29"/>
+    <p:sldId id="506" r:id="rId30"/>
+    <p:sldId id="507" r:id="rId31"/>
+    <p:sldId id="508" r:id="rId32"/>
+    <p:sldId id="509" r:id="rId33"/>
+    <p:sldId id="510" r:id="rId34"/>
+    <p:sldId id="511" r:id="rId35"/>
+    <p:sldId id="512" r:id="rId36"/>
+    <p:sldId id="513" r:id="rId37"/>
+    <p:sldId id="514" r:id="rId38"/>
   </p:sldIdLst>
   <p:sldSz cx="12192000" cy="6858000"/>
   <p:notesSz cx="6858000" cy="9144000"/>
@@ -255,7 +254,7 @@
           <a:p>
             <a:fld id="{45247C8E-FAE5-43D1-82C0-196E816DC300}" type="datetimeFigureOut">
               <a:rPr lang="zh-CN" altLang="en-US" smtClean="0"/>
-              <a:t>2021/12/13</a:t>
+              <a:t>2021/12/14</a:t>
             </a:fld>
             <a:endParaRPr lang="zh-CN" altLang="en-US"/>
           </a:p>
@@ -668,6 +667,11 @@
         </p:txBody>
       </p:sp>
     </p:spTree>
+    <p:extLst>
+      <p:ext uri="{BB962C8B-B14F-4D97-AF65-F5344CB8AC3E}">
+        <p14:creationId xmlns:p14="http://schemas.microsoft.com/office/powerpoint/2010/main" val="2170400443"/>
+      </p:ext>
+    </p:extLst>
   </p:cSld>
   <p:clrMapOvr>
     <a:masterClrMapping/>
@@ -740,7 +744,7 @@
           <a:p>
             <a:fld id="{C072AF99-A73B-44C9-96FA-736798B6D18B}" type="slidenum">
               <a:rPr lang="zh-CN" altLang="en-US" smtClean="0"/>
-              <a:t>32</a:t>
+              <a:t>33</a:t>
             </a:fld>
             <a:endParaRPr lang="zh-CN" altLang="en-US"/>
           </a:p>
@@ -749,7 +753,7 @@
     </p:spTree>
     <p:extLst>
       <p:ext uri="{BB962C8B-B14F-4D97-AF65-F5344CB8AC3E}">
-        <p14:creationId xmlns:p14="http://schemas.microsoft.com/office/powerpoint/2010/main" val="2170400443"/>
+        <p14:creationId xmlns:p14="http://schemas.microsoft.com/office/powerpoint/2010/main" val="2148498634"/>
       </p:ext>
     </p:extLst>
   </p:cSld>
@@ -824,91 +828,7 @@
           <a:p>
             <a:fld id="{C072AF99-A73B-44C9-96FA-736798B6D18B}" type="slidenum">
               <a:rPr lang="zh-CN" altLang="en-US" smtClean="0"/>
-              <a:t>34</a:t>
-            </a:fld>
-            <a:endParaRPr lang="zh-CN" altLang="en-US"/>
-          </a:p>
-        </p:txBody>
-      </p:sp>
-    </p:spTree>
-    <p:extLst>
-      <p:ext uri="{BB962C8B-B14F-4D97-AF65-F5344CB8AC3E}">
-        <p14:creationId xmlns:p14="http://schemas.microsoft.com/office/powerpoint/2010/main" val="2148498634"/>
-      </p:ext>
-    </p:extLst>
-  </p:cSld>
-  <p:clrMapOvr>
-    <a:masterClrMapping/>
-  </p:clrMapOvr>
-</p:notes>
-</file>
-
-<file path=ppt/notesSlides/notesSlide13.xml><?xml version="1.0" encoding="utf-8"?>
-<p:notes xmlns:a="http://schemas.openxmlformats.org/drawingml/2006/main" xmlns:r="http://schemas.openxmlformats.org/officeDocument/2006/relationships" xmlns:p="http://schemas.openxmlformats.org/presentationml/2006/main">
-  <p:cSld>
-    <p:spTree>
-      <p:nvGrpSpPr>
-        <p:cNvPr id="1" name=""/>
-        <p:cNvGrpSpPr/>
-        <p:nvPr/>
-      </p:nvGrpSpPr>
-      <p:grpSpPr>
-        <a:xfrm>
-          <a:off x="0" y="0"/>
-          <a:ext cx="0" cy="0"/>
-          <a:chOff x="0" y="0"/>
-          <a:chExt cx="0" cy="0"/>
-        </a:xfrm>
-      </p:grpSpPr>
-      <p:sp>
-        <p:nvSpPr>
-          <p:cNvPr id="2" name="幻灯片图像占位符 1"/>
-          <p:cNvSpPr>
-            <a:spLocks noGrp="1" noRot="1" noChangeAspect="1"/>
-          </p:cNvSpPr>
-          <p:nvPr>
-            <p:ph type="sldImg"/>
-          </p:nvPr>
-        </p:nvSpPr>
-        <p:spPr/>
-      </p:sp>
-      <p:sp>
-        <p:nvSpPr>
-          <p:cNvPr id="3" name="备注占位符 2"/>
-          <p:cNvSpPr>
-            <a:spLocks noGrp="1"/>
-          </p:cNvSpPr>
-          <p:nvPr>
-            <p:ph type="body" idx="1"/>
-          </p:nvPr>
-        </p:nvSpPr>
-        <p:spPr/>
-        <p:txBody>
-          <a:bodyPr/>
-          <a:lstStyle/>
-          <a:p>
-            <a:endParaRPr lang="zh-CN" altLang="en-US"/>
-          </a:p>
-        </p:txBody>
-      </p:sp>
-      <p:sp>
-        <p:nvSpPr>
-          <p:cNvPr id="4" name="灯片编号占位符 3"/>
-          <p:cNvSpPr>
-            <a:spLocks noGrp="1"/>
-          </p:cNvSpPr>
-          <p:nvPr>
-            <p:ph type="sldNum" sz="quarter" idx="10"/>
-          </p:nvPr>
-        </p:nvSpPr>
-        <p:spPr/>
-        <p:txBody>
-          <a:bodyPr/>
-          <a:lstStyle/>
-          <a:p>
-            <a:fld id="{C072AF99-A73B-44C9-96FA-736798B6D18B}" type="slidenum">
-              <a:rPr lang="zh-CN" altLang="en-US" smtClean="0"/>
-              <a:t>36</a:t>
+              <a:t>35</a:t>
             </a:fld>
             <a:endParaRPr lang="zh-CN" altLang="en-US"/>
           </a:p>
@@ -1481,7 +1401,7 @@
           <a:p>
             <a:fld id="{C072AF99-A73B-44C9-96FA-736798B6D18B}" type="slidenum">
               <a:rPr lang="zh-CN" altLang="en-US" smtClean="0"/>
-              <a:t>28</a:t>
+              <a:t>29</a:t>
             </a:fld>
             <a:endParaRPr lang="zh-CN" altLang="en-US"/>
           </a:p>
@@ -1490,7 +1410,7 @@
     </p:spTree>
     <p:extLst>
       <p:ext uri="{BB962C8B-B14F-4D97-AF65-F5344CB8AC3E}">
-        <p14:creationId xmlns:p14="http://schemas.microsoft.com/office/powerpoint/2010/main" val="4152553680"/>
+        <p14:creationId xmlns:p14="http://schemas.microsoft.com/office/powerpoint/2010/main" val="2518519127"/>
       </p:ext>
     </p:extLst>
   </p:cSld>
@@ -1544,7 +1464,7 @@
           <a:bodyPr/>
           <a:lstStyle/>
           <a:p>
-            <a:endParaRPr lang="zh-CN" altLang="en-US" dirty="0"/>
+            <a:endParaRPr lang="zh-CN" altLang="en-US"/>
           </a:p>
         </p:txBody>
       </p:sp>
@@ -1572,11 +1492,6 @@
         </p:txBody>
       </p:sp>
     </p:spTree>
-    <p:extLst>
-      <p:ext uri="{BB962C8B-B14F-4D97-AF65-F5344CB8AC3E}">
-        <p14:creationId xmlns:p14="http://schemas.microsoft.com/office/powerpoint/2010/main" val="2518519127"/>
-      </p:ext>
-    </p:extLst>
   </p:cSld>
   <p:clrMapOvr>
     <a:masterClrMapping/>
@@ -6511,8 +6426,8 @@
         </p:nvSpPr>
         <p:spPr>
           <a:xfrm>
-            <a:off x="3888803" y="2038647"/>
-            <a:ext cx="6343403" cy="338554"/>
+            <a:off x="4151795" y="2087103"/>
+            <a:ext cx="2236510" cy="1323439"/>
           </a:xfrm>
           <a:prstGeom prst="rect">
             <a:avLst/>
@@ -6524,14 +6439,73 @@
           </a:bodyPr>
           <a:lstStyle/>
           <a:p>
-            <a:pPr algn="r"/>
             <a:r>
               <a:rPr lang="zh-CN" altLang="en-US" sz="1600" dirty="0">
                 <a:solidFill>
                   <a:schemeClr val="bg1"/>
                 </a:solidFill>
               </a:rPr>
-              <a:t>静态工厂方法，构建器，单例模式实现，避免创建不必要的对象等</a:t>
+              <a:t>静态工厂方法，</a:t>
+            </a:r>
+            <a:endParaRPr lang="en-US" altLang="zh-CN" sz="1600" dirty="0">
+              <a:solidFill>
+                <a:schemeClr val="bg1"/>
+              </a:solidFill>
+            </a:endParaRPr>
+          </a:p>
+          <a:p>
+            <a:r>
+              <a:rPr lang="zh-CN" altLang="en-US" sz="1600" dirty="0">
+                <a:solidFill>
+                  <a:schemeClr val="bg1"/>
+                </a:solidFill>
+              </a:rPr>
+              <a:t>构建器，</a:t>
+            </a:r>
+            <a:endParaRPr lang="en-US" altLang="zh-CN" sz="1600" dirty="0">
+              <a:solidFill>
+                <a:schemeClr val="bg1"/>
+              </a:solidFill>
+            </a:endParaRPr>
+          </a:p>
+          <a:p>
+            <a:r>
+              <a:rPr lang="zh-CN" altLang="en-US" sz="1600" dirty="0">
+                <a:solidFill>
+                  <a:schemeClr val="bg1"/>
+                </a:solidFill>
+              </a:rPr>
+              <a:t>单例模式实现，</a:t>
+            </a:r>
+            <a:endParaRPr lang="en-US" altLang="zh-CN" sz="1600" dirty="0">
+              <a:solidFill>
+                <a:schemeClr val="bg1"/>
+              </a:solidFill>
+            </a:endParaRPr>
+          </a:p>
+          <a:p>
+            <a:r>
+              <a:rPr lang="zh-CN" altLang="en-US" sz="1600" dirty="0">
+                <a:solidFill>
+                  <a:schemeClr val="bg1"/>
+                </a:solidFill>
+              </a:rPr>
+              <a:t>避免创建不必要的对象</a:t>
+            </a:r>
+            <a:endParaRPr lang="en-US" altLang="zh-CN" sz="1600" dirty="0">
+              <a:solidFill>
+                <a:schemeClr val="bg1"/>
+              </a:solidFill>
+            </a:endParaRPr>
+          </a:p>
+          <a:p>
+            <a:r>
+              <a:rPr lang="zh-CN" altLang="en-US" sz="1600" dirty="0">
+                <a:solidFill>
+                  <a:schemeClr val="bg1"/>
+                </a:solidFill>
+              </a:rPr>
+              <a:t>消除过期对象的引用</a:t>
             </a:r>
           </a:p>
         </p:txBody>
@@ -6544,7 +6518,7 @@
         </p:nvSpPr>
         <p:spPr>
           <a:xfrm>
-            <a:off x="4088249" y="2489468"/>
+            <a:off x="4064650" y="3495274"/>
             <a:ext cx="3877985" cy="461665"/>
           </a:xfrm>
           <a:prstGeom prst="rect">
@@ -6579,8 +6553,8 @@
         </p:nvSpPr>
         <p:spPr>
           <a:xfrm>
-            <a:off x="4046897" y="2898699"/>
-            <a:ext cx="6887014" cy="338554"/>
+            <a:off x="4149916" y="3956939"/>
+            <a:ext cx="4657236" cy="830997"/>
           </a:xfrm>
           <a:prstGeom prst="rect">
             <a:avLst/>
@@ -6592,7 +6566,6 @@
           </a:bodyPr>
           <a:lstStyle/>
           <a:p>
-            <a:pPr algn="r"/>
             <a:r>
               <a:rPr lang="zh-CN" altLang="en-US" sz="1600" dirty="0">
                 <a:solidFill>
@@ -6617,6 +6590,13 @@
               </a:rPr>
               <a:t>，</a:t>
             </a:r>
+            <a:endParaRPr lang="en-US" altLang="zh-CN" sz="1600" dirty="0">
+              <a:solidFill>
+                <a:schemeClr val="bg1"/>
+              </a:solidFill>
+            </a:endParaRPr>
+          </a:p>
+          <a:p>
             <a:r>
               <a:rPr lang="en-US" altLang="zh-CN" sz="1600" dirty="0" err="1">
                 <a:solidFill>
@@ -6631,7 +6611,22 @@
                   <a:schemeClr val="bg1"/>
                 </a:solidFill>
               </a:rPr>
-              <a:t>， </a:t>
+              <a:t>，</a:t>
+            </a:r>
+            <a:endParaRPr lang="en-US" altLang="zh-CN" sz="1600" dirty="0">
+              <a:solidFill>
+                <a:schemeClr val="bg1"/>
+              </a:solidFill>
+            </a:endParaRPr>
+          </a:p>
+          <a:p>
+            <a:r>
+              <a:rPr lang="zh-CN" altLang="en-US" sz="1600" dirty="0">
+                <a:solidFill>
+                  <a:schemeClr val="bg1"/>
+                </a:solidFill>
+              </a:rPr>
+              <a:t> </a:t>
             </a:r>
             <a:r>
               <a:rPr lang="en-US" altLang="zh-CN" sz="1600" dirty="0" err="1">
@@ -6680,172 +6675,6 @@
                 </a:solidFill>
               </a:rPr>
               <a:t> 时应该注意哪些问题</a:t>
-            </a:r>
-          </a:p>
-        </p:txBody>
-      </p:sp>
-      <p:sp>
-        <p:nvSpPr>
-          <p:cNvPr id="80" name="矩形 79"/>
-          <p:cNvSpPr/>
-          <p:nvPr/>
-        </p:nvSpPr>
-        <p:spPr>
-          <a:xfrm>
-            <a:off x="4134366" y="3374346"/>
-            <a:ext cx="1415772" cy="461665"/>
-          </a:xfrm>
-          <a:prstGeom prst="rect">
-            <a:avLst/>
-          </a:prstGeom>
-        </p:spPr>
-        <p:txBody>
-          <a:bodyPr wrap="none">
-            <a:spAutoFit/>
-          </a:bodyPr>
-          <a:lstStyle/>
-          <a:p>
-            <a:r>
-              <a:rPr lang="zh-CN" altLang="en-US" sz="2400" dirty="0">
-                <a:solidFill>
-                  <a:srgbClr val="D9D28A"/>
-                </a:solidFill>
-                <a:latin typeface="微软雅黑" panose="020B0503020204020204" pitchFamily="34" charset="-122"/>
-                <a:ea typeface="微软雅黑" panose="020B0503020204020204" pitchFamily="34" charset="-122"/>
-              </a:rPr>
-              <a:t>类和接口</a:t>
-            </a:r>
-          </a:p>
-        </p:txBody>
-      </p:sp>
-      <p:sp>
-        <p:nvSpPr>
-          <p:cNvPr id="81" name="矩形 80"/>
-          <p:cNvSpPr/>
-          <p:nvPr/>
-        </p:nvSpPr>
-        <p:spPr>
-          <a:xfrm>
-            <a:off x="4134366" y="3750863"/>
-            <a:ext cx="7257115" cy="338554"/>
-          </a:xfrm>
-          <a:prstGeom prst="rect">
-            <a:avLst/>
-          </a:prstGeom>
-        </p:spPr>
-        <p:txBody>
-          <a:bodyPr wrap="none">
-            <a:spAutoFit/>
-          </a:bodyPr>
-          <a:lstStyle/>
-          <a:p>
-            <a:r>
-              <a:rPr lang="zh-CN" altLang="en-US" sz="1600" dirty="0">
-                <a:solidFill>
-                  <a:schemeClr val="bg1"/>
-                </a:solidFill>
-              </a:rPr>
-              <a:t>使 类和成员的可访问性，可变性最小化， 组合优于继承，接口优于抽象类等</a:t>
-            </a:r>
-          </a:p>
-        </p:txBody>
-      </p:sp>
-      <p:sp>
-        <p:nvSpPr>
-          <p:cNvPr id="83" name="矩形 82"/>
-          <p:cNvSpPr/>
-          <p:nvPr/>
-        </p:nvSpPr>
-        <p:spPr>
-          <a:xfrm>
-            <a:off x="4134366" y="4212528"/>
-            <a:ext cx="1723549" cy="461665"/>
-          </a:xfrm>
-          <a:prstGeom prst="rect">
-            <a:avLst/>
-          </a:prstGeom>
-        </p:spPr>
-        <p:txBody>
-          <a:bodyPr wrap="none">
-            <a:spAutoFit/>
-          </a:bodyPr>
-          <a:lstStyle/>
-          <a:p>
-            <a:pPr algn="r"/>
-            <a:r>
-              <a:rPr lang="zh-CN" altLang="en-US" sz="2400" dirty="0">
-                <a:solidFill>
-                  <a:srgbClr val="D9D28A"/>
-                </a:solidFill>
-                <a:latin typeface="微软雅黑" panose="020B0503020204020204" pitchFamily="34" charset="-122"/>
-                <a:ea typeface="微软雅黑" panose="020B0503020204020204" pitchFamily="34" charset="-122"/>
-              </a:rPr>
-              <a:t>枚举和注解</a:t>
-            </a:r>
-          </a:p>
-        </p:txBody>
-      </p:sp>
-      <p:sp>
-        <p:nvSpPr>
-          <p:cNvPr id="84" name="矩形 83"/>
-          <p:cNvSpPr/>
-          <p:nvPr/>
-        </p:nvSpPr>
-        <p:spPr>
-          <a:xfrm>
-            <a:off x="4134366" y="4546336"/>
-            <a:ext cx="4057201" cy="338554"/>
-          </a:xfrm>
-          <a:prstGeom prst="rect">
-            <a:avLst/>
-          </a:prstGeom>
-        </p:spPr>
-        <p:txBody>
-          <a:bodyPr wrap="none">
-            <a:spAutoFit/>
-          </a:bodyPr>
-          <a:lstStyle/>
-          <a:p>
-            <a:pPr algn="r"/>
-            <a:r>
-              <a:rPr lang="zh-CN" altLang="en-US" sz="1600" dirty="0">
-                <a:solidFill>
-                  <a:schemeClr val="bg1"/>
-                </a:solidFill>
-              </a:rPr>
-              <a:t>用 </a:t>
-            </a:r>
-            <a:r>
-              <a:rPr lang="en-US" altLang="zh-CN" sz="1600" dirty="0" err="1">
-                <a:solidFill>
-                  <a:schemeClr val="bg1"/>
-                </a:solidFill>
-              </a:rPr>
-              <a:t>enum</a:t>
-            </a:r>
-            <a:r>
-              <a:rPr lang="zh-CN" altLang="en-US" sz="1600" dirty="0">
-                <a:solidFill>
-                  <a:schemeClr val="bg1"/>
-                </a:solidFill>
-              </a:rPr>
-              <a:t>代替</a:t>
-            </a:r>
-            <a:r>
-              <a:rPr lang="en-US" altLang="zh-CN" sz="1600" dirty="0">
-                <a:solidFill>
-                  <a:schemeClr val="bg1"/>
-                </a:solidFill>
-              </a:rPr>
-              <a:t>int</a:t>
-            </a:r>
-            <a:r>
-              <a:rPr lang="zh-CN" altLang="en-US" sz="1600" dirty="0">
-                <a:solidFill>
-                  <a:schemeClr val="bg1"/>
-                </a:solidFill>
-              </a:rPr>
-              <a:t> 常量，用实例域代替序数等</a:t>
             </a:r>
           </a:p>
         </p:txBody>
@@ -7149,7 +6978,7 @@
         </p:nvGrpSpPr>
         <p:grpSpPr>
           <a:xfrm>
-            <a:off x="3382923" y="2634037"/>
+            <a:off x="3325190" y="3473167"/>
             <a:ext cx="505881" cy="505881"/>
             <a:chOff x="3630721" y="2168871"/>
             <a:chExt cx="532943" cy="532943"/>
@@ -7390,851 +7219,6 @@
           </p:txBody>
         </p:sp>
       </p:grpSp>
-      <p:grpSp>
-        <p:nvGrpSpPr>
-          <p:cNvPr id="35" name="组合 34"/>
-          <p:cNvGrpSpPr/>
-          <p:nvPr/>
-        </p:nvGrpSpPr>
-        <p:grpSpPr>
-          <a:xfrm>
-            <a:off x="3382923" y="3519206"/>
-            <a:ext cx="505881" cy="505881"/>
-            <a:chOff x="3630721" y="2168871"/>
-            <a:chExt cx="532943" cy="532943"/>
-          </a:xfrm>
-        </p:grpSpPr>
-        <p:sp>
-          <p:nvSpPr>
-            <p:cNvPr id="36" name="KSO_Shape"/>
-            <p:cNvSpPr/>
-            <p:nvPr/>
-          </p:nvSpPr>
-          <p:spPr>
-            <a:xfrm>
-              <a:off x="3630721" y="2168871"/>
-              <a:ext cx="532943" cy="532943"/>
-            </a:xfrm>
-            <a:prstGeom prst="diamond">
-              <a:avLst/>
-            </a:prstGeom>
-            <a:solidFill>
-              <a:srgbClr val="D9D28A"/>
-            </a:solidFill>
-            <a:ln>
-              <a:noFill/>
-            </a:ln>
-          </p:spPr>
-          <p:style>
-            <a:lnRef idx="2">
-              <a:schemeClr val="accent1">
-                <a:shade val="50000"/>
-              </a:schemeClr>
-            </a:lnRef>
-            <a:fillRef idx="1">
-              <a:schemeClr val="accent1"/>
-            </a:fillRef>
-            <a:effectRef idx="0">
-              <a:schemeClr val="accent1"/>
-            </a:effectRef>
-            <a:fontRef idx="minor">
-              <a:schemeClr val="lt1"/>
-            </a:fontRef>
-          </p:style>
-          <p:txBody>
-            <a:bodyPr anchor="ctr">
-              <a:scene3d>
-                <a:camera prst="orthographicFront"/>
-                <a:lightRig rig="threePt" dir="t"/>
-              </a:scene3d>
-              <a:sp3d>
-                <a:contourClr>
-                  <a:srgbClr val="FFFFFF"/>
-                </a:contourClr>
-              </a:sp3d>
-            </a:bodyPr>
-            <a:lstStyle>
-              <a:defPPr>
-                <a:defRPr lang="zh-CN"/>
-              </a:defPPr>
-              <a:lvl1pPr algn="l" rtl="0" eaLnBrk="0" fontAlgn="base" hangingPunct="0">
-                <a:spcBef>
-                  <a:spcPct val="0"/>
-                </a:spcBef>
-                <a:spcAft>
-                  <a:spcPct val="0"/>
-                </a:spcAft>
-                <a:defRPr kern="1200">
-                  <a:solidFill>
-                    <a:schemeClr val="lt1"/>
-                  </a:solidFill>
-                  <a:latin typeface="+mn-lt"/>
-                  <a:ea typeface="+mn-ea"/>
-                  <a:cs typeface="+mn-cs"/>
-                </a:defRPr>
-              </a:lvl1pPr>
-              <a:lvl2pPr marL="457200" algn="l" rtl="0" eaLnBrk="0" fontAlgn="base" hangingPunct="0">
-                <a:spcBef>
-                  <a:spcPct val="0"/>
-                </a:spcBef>
-                <a:spcAft>
-                  <a:spcPct val="0"/>
-                </a:spcAft>
-                <a:defRPr kern="1200">
-                  <a:solidFill>
-                    <a:schemeClr val="lt1"/>
-                  </a:solidFill>
-                  <a:latin typeface="+mn-lt"/>
-                  <a:ea typeface="+mn-ea"/>
-                  <a:cs typeface="+mn-cs"/>
-                </a:defRPr>
-              </a:lvl2pPr>
-              <a:lvl3pPr marL="914400" algn="l" rtl="0" eaLnBrk="0" fontAlgn="base" hangingPunct="0">
-                <a:spcBef>
-                  <a:spcPct val="0"/>
-                </a:spcBef>
-                <a:spcAft>
-                  <a:spcPct val="0"/>
-                </a:spcAft>
-                <a:defRPr kern="1200">
-                  <a:solidFill>
-                    <a:schemeClr val="lt1"/>
-                  </a:solidFill>
-                  <a:latin typeface="+mn-lt"/>
-                  <a:ea typeface="+mn-ea"/>
-                  <a:cs typeface="+mn-cs"/>
-                </a:defRPr>
-              </a:lvl3pPr>
-              <a:lvl4pPr marL="1371600" algn="l" rtl="0" eaLnBrk="0" fontAlgn="base" hangingPunct="0">
-                <a:spcBef>
-                  <a:spcPct val="0"/>
-                </a:spcBef>
-                <a:spcAft>
-                  <a:spcPct val="0"/>
-                </a:spcAft>
-                <a:defRPr kern="1200">
-                  <a:solidFill>
-                    <a:schemeClr val="lt1"/>
-                  </a:solidFill>
-                  <a:latin typeface="+mn-lt"/>
-                  <a:ea typeface="+mn-ea"/>
-                  <a:cs typeface="+mn-cs"/>
-                </a:defRPr>
-              </a:lvl4pPr>
-              <a:lvl5pPr marL="1828800" algn="l" rtl="0" eaLnBrk="0" fontAlgn="base" hangingPunct="0">
-                <a:spcBef>
-                  <a:spcPct val="0"/>
-                </a:spcBef>
-                <a:spcAft>
-                  <a:spcPct val="0"/>
-                </a:spcAft>
-                <a:defRPr kern="1200">
-                  <a:solidFill>
-                    <a:schemeClr val="lt1"/>
-                  </a:solidFill>
-                  <a:latin typeface="+mn-lt"/>
-                  <a:ea typeface="+mn-ea"/>
-                  <a:cs typeface="+mn-cs"/>
-                </a:defRPr>
-              </a:lvl5pPr>
-              <a:lvl6pPr marL="2286000" algn="l" defTabSz="914400" rtl="0" eaLnBrk="1" latinLnBrk="0" hangingPunct="1">
-                <a:defRPr kern="1200">
-                  <a:solidFill>
-                    <a:schemeClr val="lt1"/>
-                  </a:solidFill>
-                  <a:latin typeface="+mn-lt"/>
-                  <a:ea typeface="+mn-ea"/>
-                  <a:cs typeface="+mn-cs"/>
-                </a:defRPr>
-              </a:lvl6pPr>
-              <a:lvl7pPr marL="2743200" algn="l" defTabSz="914400" rtl="0" eaLnBrk="1" latinLnBrk="0" hangingPunct="1">
-                <a:defRPr kern="1200">
-                  <a:solidFill>
-                    <a:schemeClr val="lt1"/>
-                  </a:solidFill>
-                  <a:latin typeface="+mn-lt"/>
-                  <a:ea typeface="+mn-ea"/>
-                  <a:cs typeface="+mn-cs"/>
-                </a:defRPr>
-              </a:lvl7pPr>
-              <a:lvl8pPr marL="3200400" algn="l" defTabSz="914400" rtl="0" eaLnBrk="1" latinLnBrk="0" hangingPunct="1">
-                <a:defRPr kern="1200">
-                  <a:solidFill>
-                    <a:schemeClr val="lt1"/>
-                  </a:solidFill>
-                  <a:latin typeface="+mn-lt"/>
-                  <a:ea typeface="+mn-ea"/>
-                  <a:cs typeface="+mn-cs"/>
-                </a:defRPr>
-              </a:lvl8pPr>
-              <a:lvl9pPr marL="3657600" algn="l" defTabSz="914400" rtl="0" eaLnBrk="1" latinLnBrk="0" hangingPunct="1">
-                <a:defRPr kern="1200">
-                  <a:solidFill>
-                    <a:schemeClr val="lt1"/>
-                  </a:solidFill>
-                  <a:latin typeface="+mn-lt"/>
-                  <a:ea typeface="+mn-ea"/>
-                  <a:cs typeface="+mn-cs"/>
-                </a:defRPr>
-              </a:lvl9pPr>
-            </a:lstStyle>
-            <a:p>
-              <a:pPr algn="ctr" eaLnBrk="1" fontAlgn="auto" hangingPunct="1">
-                <a:spcBef>
-                  <a:spcPts val="0"/>
-                </a:spcBef>
-                <a:spcAft>
-                  <a:spcPts val="0"/>
-                </a:spcAft>
-                <a:defRPr/>
-              </a:pPr>
-              <a:endParaRPr lang="zh-CN" altLang="en-US" sz="1600">
-                <a:solidFill>
-                  <a:srgbClr val="FFFFFF"/>
-                </a:solidFill>
-              </a:endParaRPr>
-            </a:p>
-          </p:txBody>
-        </p:sp>
-        <p:sp>
-          <p:nvSpPr>
-            <p:cNvPr id="37" name="矩形 36"/>
-            <p:cNvSpPr/>
-            <p:nvPr/>
-          </p:nvSpPr>
-          <p:spPr>
-            <a:xfrm>
-              <a:off x="3720549" y="2204510"/>
-              <a:ext cx="353287" cy="421514"/>
-            </a:xfrm>
-            <a:prstGeom prst="rect">
-              <a:avLst/>
-            </a:prstGeom>
-          </p:spPr>
-          <p:txBody>
-            <a:bodyPr wrap="none">
-              <a:spAutoFit/>
-            </a:bodyPr>
-            <a:lstStyle/>
-            <a:p>
-              <a:pPr algn="ctr"/>
-              <a:r>
-                <a:rPr lang="en-US" altLang="zh-CN" sz="2000" dirty="0">
-                  <a:solidFill>
-                    <a:srgbClr val="0B3A8C"/>
-                  </a:solidFill>
-                  <a:latin typeface="微软雅黑" panose="020B0503020204020204" pitchFamily="34" charset="-122"/>
-                  <a:ea typeface="微软雅黑" panose="020B0503020204020204" pitchFamily="34" charset="-122"/>
-                </a:rPr>
-                <a:t>3</a:t>
-              </a:r>
-              <a:endParaRPr lang="zh-CN" altLang="en-US" sz="2000" dirty="0">
-                <a:solidFill>
-                  <a:srgbClr val="0B3A8C"/>
-                </a:solidFill>
-                <a:latin typeface="微软雅黑" panose="020B0503020204020204" pitchFamily="34" charset="-122"/>
-                <a:ea typeface="微软雅黑" panose="020B0503020204020204" pitchFamily="34" charset="-122"/>
-              </a:endParaRPr>
-            </a:p>
-          </p:txBody>
-        </p:sp>
-      </p:grpSp>
-      <p:grpSp>
-        <p:nvGrpSpPr>
-          <p:cNvPr id="38" name="组合 37"/>
-          <p:cNvGrpSpPr/>
-          <p:nvPr/>
-        </p:nvGrpSpPr>
-        <p:grpSpPr>
-          <a:xfrm>
-            <a:off x="3382923" y="4312452"/>
-            <a:ext cx="505881" cy="505881"/>
-            <a:chOff x="3630721" y="2168871"/>
-            <a:chExt cx="532943" cy="532943"/>
-          </a:xfrm>
-        </p:grpSpPr>
-        <p:sp>
-          <p:nvSpPr>
-            <p:cNvPr id="39" name="KSO_Shape"/>
-            <p:cNvSpPr/>
-            <p:nvPr/>
-          </p:nvSpPr>
-          <p:spPr>
-            <a:xfrm>
-              <a:off x="3630721" y="2168871"/>
-              <a:ext cx="532943" cy="532943"/>
-            </a:xfrm>
-            <a:prstGeom prst="diamond">
-              <a:avLst/>
-            </a:prstGeom>
-            <a:solidFill>
-              <a:srgbClr val="D9D28A"/>
-            </a:solidFill>
-            <a:ln>
-              <a:noFill/>
-            </a:ln>
-          </p:spPr>
-          <p:style>
-            <a:lnRef idx="2">
-              <a:schemeClr val="accent1">
-                <a:shade val="50000"/>
-              </a:schemeClr>
-            </a:lnRef>
-            <a:fillRef idx="1">
-              <a:schemeClr val="accent1"/>
-            </a:fillRef>
-            <a:effectRef idx="0">
-              <a:schemeClr val="accent1"/>
-            </a:effectRef>
-            <a:fontRef idx="minor">
-              <a:schemeClr val="lt1"/>
-            </a:fontRef>
-          </p:style>
-          <p:txBody>
-            <a:bodyPr anchor="ctr">
-              <a:scene3d>
-                <a:camera prst="orthographicFront"/>
-                <a:lightRig rig="threePt" dir="t"/>
-              </a:scene3d>
-              <a:sp3d>
-                <a:contourClr>
-                  <a:srgbClr val="FFFFFF"/>
-                </a:contourClr>
-              </a:sp3d>
-            </a:bodyPr>
-            <a:lstStyle>
-              <a:defPPr>
-                <a:defRPr lang="zh-CN"/>
-              </a:defPPr>
-              <a:lvl1pPr algn="l" rtl="0" eaLnBrk="0" fontAlgn="base" hangingPunct="0">
-                <a:spcBef>
-                  <a:spcPct val="0"/>
-                </a:spcBef>
-                <a:spcAft>
-                  <a:spcPct val="0"/>
-                </a:spcAft>
-                <a:defRPr kern="1200">
-                  <a:solidFill>
-                    <a:schemeClr val="lt1"/>
-                  </a:solidFill>
-                  <a:latin typeface="+mn-lt"/>
-                  <a:ea typeface="+mn-ea"/>
-                  <a:cs typeface="+mn-cs"/>
-                </a:defRPr>
-              </a:lvl1pPr>
-              <a:lvl2pPr marL="457200" algn="l" rtl="0" eaLnBrk="0" fontAlgn="base" hangingPunct="0">
-                <a:spcBef>
-                  <a:spcPct val="0"/>
-                </a:spcBef>
-                <a:spcAft>
-                  <a:spcPct val="0"/>
-                </a:spcAft>
-                <a:defRPr kern="1200">
-                  <a:solidFill>
-                    <a:schemeClr val="lt1"/>
-                  </a:solidFill>
-                  <a:latin typeface="+mn-lt"/>
-                  <a:ea typeface="+mn-ea"/>
-                  <a:cs typeface="+mn-cs"/>
-                </a:defRPr>
-              </a:lvl2pPr>
-              <a:lvl3pPr marL="914400" algn="l" rtl="0" eaLnBrk="0" fontAlgn="base" hangingPunct="0">
-                <a:spcBef>
-                  <a:spcPct val="0"/>
-                </a:spcBef>
-                <a:spcAft>
-                  <a:spcPct val="0"/>
-                </a:spcAft>
-                <a:defRPr kern="1200">
-                  <a:solidFill>
-                    <a:schemeClr val="lt1"/>
-                  </a:solidFill>
-                  <a:latin typeface="+mn-lt"/>
-                  <a:ea typeface="+mn-ea"/>
-                  <a:cs typeface="+mn-cs"/>
-                </a:defRPr>
-              </a:lvl3pPr>
-              <a:lvl4pPr marL="1371600" algn="l" rtl="0" eaLnBrk="0" fontAlgn="base" hangingPunct="0">
-                <a:spcBef>
-                  <a:spcPct val="0"/>
-                </a:spcBef>
-                <a:spcAft>
-                  <a:spcPct val="0"/>
-                </a:spcAft>
-                <a:defRPr kern="1200">
-                  <a:solidFill>
-                    <a:schemeClr val="lt1"/>
-                  </a:solidFill>
-                  <a:latin typeface="+mn-lt"/>
-                  <a:ea typeface="+mn-ea"/>
-                  <a:cs typeface="+mn-cs"/>
-                </a:defRPr>
-              </a:lvl4pPr>
-              <a:lvl5pPr marL="1828800" algn="l" rtl="0" eaLnBrk="0" fontAlgn="base" hangingPunct="0">
-                <a:spcBef>
-                  <a:spcPct val="0"/>
-                </a:spcBef>
-                <a:spcAft>
-                  <a:spcPct val="0"/>
-                </a:spcAft>
-                <a:defRPr kern="1200">
-                  <a:solidFill>
-                    <a:schemeClr val="lt1"/>
-                  </a:solidFill>
-                  <a:latin typeface="+mn-lt"/>
-                  <a:ea typeface="+mn-ea"/>
-                  <a:cs typeface="+mn-cs"/>
-                </a:defRPr>
-              </a:lvl5pPr>
-              <a:lvl6pPr marL="2286000" algn="l" defTabSz="914400" rtl="0" eaLnBrk="1" latinLnBrk="0" hangingPunct="1">
-                <a:defRPr kern="1200">
-                  <a:solidFill>
-                    <a:schemeClr val="lt1"/>
-                  </a:solidFill>
-                  <a:latin typeface="+mn-lt"/>
-                  <a:ea typeface="+mn-ea"/>
-                  <a:cs typeface="+mn-cs"/>
-                </a:defRPr>
-              </a:lvl6pPr>
-              <a:lvl7pPr marL="2743200" algn="l" defTabSz="914400" rtl="0" eaLnBrk="1" latinLnBrk="0" hangingPunct="1">
-                <a:defRPr kern="1200">
-                  <a:solidFill>
-                    <a:schemeClr val="lt1"/>
-                  </a:solidFill>
-                  <a:latin typeface="+mn-lt"/>
-                  <a:ea typeface="+mn-ea"/>
-                  <a:cs typeface="+mn-cs"/>
-                </a:defRPr>
-              </a:lvl7pPr>
-              <a:lvl8pPr marL="3200400" algn="l" defTabSz="914400" rtl="0" eaLnBrk="1" latinLnBrk="0" hangingPunct="1">
-                <a:defRPr kern="1200">
-                  <a:solidFill>
-                    <a:schemeClr val="lt1"/>
-                  </a:solidFill>
-                  <a:latin typeface="+mn-lt"/>
-                  <a:ea typeface="+mn-ea"/>
-                  <a:cs typeface="+mn-cs"/>
-                </a:defRPr>
-              </a:lvl8pPr>
-              <a:lvl9pPr marL="3657600" algn="l" defTabSz="914400" rtl="0" eaLnBrk="1" latinLnBrk="0" hangingPunct="1">
-                <a:defRPr kern="1200">
-                  <a:solidFill>
-                    <a:schemeClr val="lt1"/>
-                  </a:solidFill>
-                  <a:latin typeface="+mn-lt"/>
-                  <a:ea typeface="+mn-ea"/>
-                  <a:cs typeface="+mn-cs"/>
-                </a:defRPr>
-              </a:lvl9pPr>
-            </a:lstStyle>
-            <a:p>
-              <a:pPr algn="ctr" eaLnBrk="1" fontAlgn="auto" hangingPunct="1">
-                <a:spcBef>
-                  <a:spcPts val="0"/>
-                </a:spcBef>
-                <a:spcAft>
-                  <a:spcPts val="0"/>
-                </a:spcAft>
-                <a:defRPr/>
-              </a:pPr>
-              <a:endParaRPr lang="zh-CN" altLang="en-US" sz="1600">
-                <a:solidFill>
-                  <a:srgbClr val="FFFFFF"/>
-                </a:solidFill>
-              </a:endParaRPr>
-            </a:p>
-          </p:txBody>
-        </p:sp>
-        <p:sp>
-          <p:nvSpPr>
-            <p:cNvPr id="40" name="矩形 39"/>
-            <p:cNvSpPr/>
-            <p:nvPr/>
-          </p:nvSpPr>
-          <p:spPr>
-            <a:xfrm>
-              <a:off x="3720549" y="2204510"/>
-              <a:ext cx="353287" cy="421514"/>
-            </a:xfrm>
-            <a:prstGeom prst="rect">
-              <a:avLst/>
-            </a:prstGeom>
-          </p:spPr>
-          <p:txBody>
-            <a:bodyPr wrap="none">
-              <a:spAutoFit/>
-            </a:bodyPr>
-            <a:lstStyle/>
-            <a:p>
-              <a:pPr algn="ctr"/>
-              <a:r>
-                <a:rPr lang="en-US" altLang="zh-CN" sz="2000" dirty="0">
-                  <a:solidFill>
-                    <a:srgbClr val="0B3A8C"/>
-                  </a:solidFill>
-                  <a:latin typeface="微软雅黑" panose="020B0503020204020204" pitchFamily="34" charset="-122"/>
-                  <a:ea typeface="微软雅黑" panose="020B0503020204020204" pitchFamily="34" charset="-122"/>
-                </a:rPr>
-                <a:t>4</a:t>
-              </a:r>
-              <a:endParaRPr lang="zh-CN" altLang="en-US" sz="2000" dirty="0">
-                <a:solidFill>
-                  <a:srgbClr val="0B3A8C"/>
-                </a:solidFill>
-                <a:latin typeface="微软雅黑" panose="020B0503020204020204" pitchFamily="34" charset="-122"/>
-                <a:ea typeface="微软雅黑" panose="020B0503020204020204" pitchFamily="34" charset="-122"/>
-              </a:endParaRPr>
-            </a:p>
-          </p:txBody>
-        </p:sp>
-      </p:grpSp>
-      <p:sp>
-        <p:nvSpPr>
-          <p:cNvPr id="24" name="矩形 23">
-            <a:extLst>
-              <a:ext uri="{FF2B5EF4-FFF2-40B4-BE49-F238E27FC236}">
-                <a16:creationId xmlns:a16="http://schemas.microsoft.com/office/drawing/2014/main" id="{7BC238F3-9D3A-8347-AACE-5D735BAEE547}"/>
-              </a:ext>
-            </a:extLst>
-          </p:cNvPr>
-          <p:cNvSpPr/>
-          <p:nvPr/>
-        </p:nvSpPr>
-        <p:spPr>
-          <a:xfrm>
-            <a:off x="4181873" y="4929671"/>
-            <a:ext cx="800219" cy="461665"/>
-          </a:xfrm>
-          <a:prstGeom prst="rect">
-            <a:avLst/>
-          </a:prstGeom>
-        </p:spPr>
-        <p:txBody>
-          <a:bodyPr wrap="none">
-            <a:spAutoFit/>
-          </a:bodyPr>
-          <a:lstStyle/>
-          <a:p>
-            <a:pPr algn="r"/>
-            <a:r>
-              <a:rPr lang="zh-CN" altLang="en-US" sz="2400" dirty="0">
-                <a:solidFill>
-                  <a:srgbClr val="D9D28A"/>
-                </a:solidFill>
-                <a:latin typeface="微软雅黑" panose="020B0503020204020204" pitchFamily="34" charset="-122"/>
-                <a:ea typeface="微软雅黑" panose="020B0503020204020204" pitchFamily="34" charset="-122"/>
-              </a:rPr>
-              <a:t>方法</a:t>
-            </a:r>
-          </a:p>
-        </p:txBody>
-      </p:sp>
-      <p:sp>
-        <p:nvSpPr>
-          <p:cNvPr id="25" name="矩形 24">
-            <a:extLst>
-              <a:ext uri="{FF2B5EF4-FFF2-40B4-BE49-F238E27FC236}">
-                <a16:creationId xmlns:a16="http://schemas.microsoft.com/office/drawing/2014/main" id="{6DF81730-EE85-E944-9FC3-349A4AED4DD2}"/>
-              </a:ext>
-            </a:extLst>
-          </p:cNvPr>
-          <p:cNvSpPr/>
-          <p:nvPr/>
-        </p:nvSpPr>
-        <p:spPr>
-          <a:xfrm>
-            <a:off x="3888803" y="5280917"/>
-            <a:ext cx="6958957" cy="338554"/>
-          </a:xfrm>
-          <a:prstGeom prst="rect">
-            <a:avLst/>
-          </a:prstGeom>
-        </p:spPr>
-        <p:txBody>
-          <a:bodyPr wrap="none">
-            <a:spAutoFit/>
-          </a:bodyPr>
-          <a:lstStyle/>
-          <a:p>
-            <a:pPr algn="r"/>
-            <a:r>
-              <a:rPr lang="zh-CN" altLang="en-US" sz="1600" dirty="0">
-                <a:solidFill>
-                  <a:schemeClr val="bg1"/>
-                </a:solidFill>
-              </a:rPr>
-              <a:t>检查参数的有效性，保护性拷贝，方法签名，慎用（重载，可变参数）等</a:t>
-            </a:r>
-          </a:p>
-        </p:txBody>
-      </p:sp>
-      <p:grpSp>
-        <p:nvGrpSpPr>
-          <p:cNvPr id="29" name="组合 28">
-            <a:extLst>
-              <a:ext uri="{FF2B5EF4-FFF2-40B4-BE49-F238E27FC236}">
-                <a16:creationId xmlns:a16="http://schemas.microsoft.com/office/drawing/2014/main" id="{6B5A940B-7E20-484B-A532-D2986288CBEF}"/>
-              </a:ext>
-            </a:extLst>
-          </p:cNvPr>
-          <p:cNvGrpSpPr/>
-          <p:nvPr/>
-        </p:nvGrpSpPr>
-        <p:grpSpPr>
-          <a:xfrm>
-            <a:off x="3382923" y="4993172"/>
-            <a:ext cx="505881" cy="505881"/>
-            <a:chOff x="3630721" y="2168871"/>
-            <a:chExt cx="532943" cy="532943"/>
-          </a:xfrm>
-        </p:grpSpPr>
-        <p:sp>
-          <p:nvSpPr>
-            <p:cNvPr id="30" name="KSO_Shape">
-              <a:extLst>
-                <a:ext uri="{FF2B5EF4-FFF2-40B4-BE49-F238E27FC236}">
-                  <a16:creationId xmlns:a16="http://schemas.microsoft.com/office/drawing/2014/main" id="{A5A6D407-EDE8-3A41-B404-F2139F8AB5E1}"/>
-                </a:ext>
-              </a:extLst>
-            </p:cNvPr>
-            <p:cNvSpPr/>
-            <p:nvPr/>
-          </p:nvSpPr>
-          <p:spPr>
-            <a:xfrm>
-              <a:off x="3630721" y="2168871"/>
-              <a:ext cx="532943" cy="532943"/>
-            </a:xfrm>
-            <a:prstGeom prst="diamond">
-              <a:avLst/>
-            </a:prstGeom>
-            <a:solidFill>
-              <a:srgbClr val="D9D28A"/>
-            </a:solidFill>
-            <a:ln>
-              <a:noFill/>
-            </a:ln>
-          </p:spPr>
-          <p:style>
-            <a:lnRef idx="2">
-              <a:schemeClr val="accent1">
-                <a:shade val="50000"/>
-              </a:schemeClr>
-            </a:lnRef>
-            <a:fillRef idx="1">
-              <a:schemeClr val="accent1"/>
-            </a:fillRef>
-            <a:effectRef idx="0">
-              <a:schemeClr val="accent1"/>
-            </a:effectRef>
-            <a:fontRef idx="minor">
-              <a:schemeClr val="lt1"/>
-            </a:fontRef>
-          </p:style>
-          <p:txBody>
-            <a:bodyPr anchor="ctr">
-              <a:scene3d>
-                <a:camera prst="orthographicFront"/>
-                <a:lightRig rig="threePt" dir="t"/>
-              </a:scene3d>
-              <a:sp3d>
-                <a:contourClr>
-                  <a:srgbClr val="FFFFFF"/>
-                </a:contourClr>
-              </a:sp3d>
-            </a:bodyPr>
-            <a:lstStyle>
-              <a:defPPr>
-                <a:defRPr lang="zh-CN"/>
-              </a:defPPr>
-              <a:lvl1pPr algn="l" rtl="0" eaLnBrk="0" fontAlgn="base" hangingPunct="0">
-                <a:spcBef>
-                  <a:spcPct val="0"/>
-                </a:spcBef>
-                <a:spcAft>
-                  <a:spcPct val="0"/>
-                </a:spcAft>
-                <a:defRPr kern="1200">
-                  <a:solidFill>
-                    <a:schemeClr val="lt1"/>
-                  </a:solidFill>
-                  <a:latin typeface="+mn-lt"/>
-                  <a:ea typeface="+mn-ea"/>
-                  <a:cs typeface="+mn-cs"/>
-                </a:defRPr>
-              </a:lvl1pPr>
-              <a:lvl2pPr marL="457200" algn="l" rtl="0" eaLnBrk="0" fontAlgn="base" hangingPunct="0">
-                <a:spcBef>
-                  <a:spcPct val="0"/>
-                </a:spcBef>
-                <a:spcAft>
-                  <a:spcPct val="0"/>
-                </a:spcAft>
-                <a:defRPr kern="1200">
-                  <a:solidFill>
-                    <a:schemeClr val="lt1"/>
-                  </a:solidFill>
-                  <a:latin typeface="+mn-lt"/>
-                  <a:ea typeface="+mn-ea"/>
-                  <a:cs typeface="+mn-cs"/>
-                </a:defRPr>
-              </a:lvl2pPr>
-              <a:lvl3pPr marL="914400" algn="l" rtl="0" eaLnBrk="0" fontAlgn="base" hangingPunct="0">
-                <a:spcBef>
-                  <a:spcPct val="0"/>
-                </a:spcBef>
-                <a:spcAft>
-                  <a:spcPct val="0"/>
-                </a:spcAft>
-                <a:defRPr kern="1200">
-                  <a:solidFill>
-                    <a:schemeClr val="lt1"/>
-                  </a:solidFill>
-                  <a:latin typeface="+mn-lt"/>
-                  <a:ea typeface="+mn-ea"/>
-                  <a:cs typeface="+mn-cs"/>
-                </a:defRPr>
-              </a:lvl3pPr>
-              <a:lvl4pPr marL="1371600" algn="l" rtl="0" eaLnBrk="0" fontAlgn="base" hangingPunct="0">
-                <a:spcBef>
-                  <a:spcPct val="0"/>
-                </a:spcBef>
-                <a:spcAft>
-                  <a:spcPct val="0"/>
-                </a:spcAft>
-                <a:defRPr kern="1200">
-                  <a:solidFill>
-                    <a:schemeClr val="lt1"/>
-                  </a:solidFill>
-                  <a:latin typeface="+mn-lt"/>
-                  <a:ea typeface="+mn-ea"/>
-                  <a:cs typeface="+mn-cs"/>
-                </a:defRPr>
-              </a:lvl4pPr>
-              <a:lvl5pPr marL="1828800" algn="l" rtl="0" eaLnBrk="0" fontAlgn="base" hangingPunct="0">
-                <a:spcBef>
-                  <a:spcPct val="0"/>
-                </a:spcBef>
-                <a:spcAft>
-                  <a:spcPct val="0"/>
-                </a:spcAft>
-                <a:defRPr kern="1200">
-                  <a:solidFill>
-                    <a:schemeClr val="lt1"/>
-                  </a:solidFill>
-                  <a:latin typeface="+mn-lt"/>
-                  <a:ea typeface="+mn-ea"/>
-                  <a:cs typeface="+mn-cs"/>
-                </a:defRPr>
-              </a:lvl5pPr>
-              <a:lvl6pPr marL="2286000" algn="l" defTabSz="914400" rtl="0" eaLnBrk="1" latinLnBrk="0" hangingPunct="1">
-                <a:defRPr kern="1200">
-                  <a:solidFill>
-                    <a:schemeClr val="lt1"/>
-                  </a:solidFill>
-                  <a:latin typeface="+mn-lt"/>
-                  <a:ea typeface="+mn-ea"/>
-                  <a:cs typeface="+mn-cs"/>
-                </a:defRPr>
-              </a:lvl6pPr>
-              <a:lvl7pPr marL="2743200" algn="l" defTabSz="914400" rtl="0" eaLnBrk="1" latinLnBrk="0" hangingPunct="1">
-                <a:defRPr kern="1200">
-                  <a:solidFill>
-                    <a:schemeClr val="lt1"/>
-                  </a:solidFill>
-                  <a:latin typeface="+mn-lt"/>
-                  <a:ea typeface="+mn-ea"/>
-                  <a:cs typeface="+mn-cs"/>
-                </a:defRPr>
-              </a:lvl7pPr>
-              <a:lvl8pPr marL="3200400" algn="l" defTabSz="914400" rtl="0" eaLnBrk="1" latinLnBrk="0" hangingPunct="1">
-                <a:defRPr kern="1200">
-                  <a:solidFill>
-                    <a:schemeClr val="lt1"/>
-                  </a:solidFill>
-                  <a:latin typeface="+mn-lt"/>
-                  <a:ea typeface="+mn-ea"/>
-                  <a:cs typeface="+mn-cs"/>
-                </a:defRPr>
-              </a:lvl8pPr>
-              <a:lvl9pPr marL="3657600" algn="l" defTabSz="914400" rtl="0" eaLnBrk="1" latinLnBrk="0" hangingPunct="1">
-                <a:defRPr kern="1200">
-                  <a:solidFill>
-                    <a:schemeClr val="lt1"/>
-                  </a:solidFill>
-                  <a:latin typeface="+mn-lt"/>
-                  <a:ea typeface="+mn-ea"/>
-                  <a:cs typeface="+mn-cs"/>
-                </a:defRPr>
-              </a:lvl9pPr>
-            </a:lstStyle>
-            <a:p>
-              <a:pPr algn="ctr" eaLnBrk="1" fontAlgn="auto" hangingPunct="1">
-                <a:spcBef>
-                  <a:spcPts val="0"/>
-                </a:spcBef>
-                <a:spcAft>
-                  <a:spcPts val="0"/>
-                </a:spcAft>
-                <a:defRPr/>
-              </a:pPr>
-              <a:endParaRPr lang="zh-CN" altLang="en-US" sz="1600">
-                <a:solidFill>
-                  <a:srgbClr val="FFFFFF"/>
-                </a:solidFill>
-              </a:endParaRPr>
-            </a:p>
-          </p:txBody>
-        </p:sp>
-        <p:sp>
-          <p:nvSpPr>
-            <p:cNvPr id="31" name="矩形 30">
-              <a:extLst>
-                <a:ext uri="{FF2B5EF4-FFF2-40B4-BE49-F238E27FC236}">
-                  <a16:creationId xmlns:a16="http://schemas.microsoft.com/office/drawing/2014/main" id="{F935DB06-F1EB-624C-9049-48DCFE942DFA}"/>
-                </a:ext>
-              </a:extLst>
-            </p:cNvPr>
-            <p:cNvSpPr/>
-            <p:nvPr/>
-          </p:nvSpPr>
-          <p:spPr>
-            <a:xfrm>
-              <a:off x="3720549" y="2204510"/>
-              <a:ext cx="353287" cy="421514"/>
-            </a:xfrm>
-            <a:prstGeom prst="rect">
-              <a:avLst/>
-            </a:prstGeom>
-          </p:spPr>
-          <p:txBody>
-            <a:bodyPr wrap="none">
-              <a:spAutoFit/>
-            </a:bodyPr>
-            <a:lstStyle/>
-            <a:p>
-              <a:pPr algn="ctr"/>
-              <a:r>
-                <a:rPr lang="en-US" altLang="zh-CN" sz="2000" dirty="0">
-                  <a:solidFill>
-                    <a:srgbClr val="0B3A8C"/>
-                  </a:solidFill>
-                  <a:latin typeface="微软雅黑" panose="020B0503020204020204" pitchFamily="34" charset="-122"/>
-                  <a:ea typeface="微软雅黑" panose="020B0503020204020204" pitchFamily="34" charset="-122"/>
-                </a:rPr>
-                <a:t>5</a:t>
-              </a:r>
-              <a:endParaRPr lang="zh-CN" altLang="en-US" sz="2000" dirty="0">
-                <a:solidFill>
-                  <a:srgbClr val="0B3A8C"/>
-                </a:solidFill>
-                <a:latin typeface="微软雅黑" panose="020B0503020204020204" pitchFamily="34" charset="-122"/>
-                <a:ea typeface="微软雅黑" panose="020B0503020204020204" pitchFamily="34" charset="-122"/>
-              </a:endParaRPr>
-            </a:p>
-          </p:txBody>
-        </p:sp>
-      </p:grpSp>
       <p:sp>
         <p:nvSpPr>
           <p:cNvPr id="41" name="矩形 40">
@@ -8249,8 +7233,8 @@
         </p:nvSpPr>
         <p:spPr>
           <a:xfrm>
-            <a:off x="4181873" y="5657434"/>
-            <a:ext cx="1098378" cy="461665"/>
+            <a:off x="4135386" y="4695347"/>
+            <a:ext cx="1144865" cy="461665"/>
           </a:xfrm>
           <a:prstGeom prst="rect">
             <a:avLst/>
@@ -8271,7 +7255,7 @@
                 <a:latin typeface="微软雅黑" panose="020B0503020204020204" pitchFamily="34" charset="-122"/>
                 <a:ea typeface="微软雅黑" panose="020B0503020204020204" pitchFamily="34" charset="-122"/>
               </a:rPr>
-              <a:t>arthas</a:t>
+              <a:t>Arthas</a:t>
             </a:r>
             <a:endParaRPr lang="zh-CN" altLang="en-US" sz="2400" dirty="0">
               <a:solidFill>
@@ -8297,8 +7281,8 @@
         </p:nvSpPr>
         <p:spPr>
           <a:xfrm>
-            <a:off x="590326" y="6059810"/>
-            <a:ext cx="11011348" cy="338554"/>
+            <a:off x="4149916" y="5074645"/>
+            <a:ext cx="3057247" cy="1323439"/>
           </a:xfrm>
           <a:prstGeom prst="rect">
             <a:avLst/>
@@ -8310,14 +7294,43 @@
           </a:bodyPr>
           <a:lstStyle/>
           <a:p>
-            <a:pPr algn="r"/>
             <a:r>
               <a:rPr lang="zh-CN" altLang="en-US" sz="1600" dirty="0">
                 <a:solidFill>
                   <a:schemeClr val="bg1"/>
                 </a:solidFill>
               </a:rPr>
-              <a:t>常用于解决：我改的代码为什么没有执行到？线上无法 </a:t>
+              <a:t>常用于解决：</a:t>
+            </a:r>
+            <a:endParaRPr lang="en-US" altLang="zh-CN" sz="1600" dirty="0">
+              <a:solidFill>
+                <a:schemeClr val="bg1"/>
+              </a:solidFill>
+            </a:endParaRPr>
+          </a:p>
+          <a:p>
+            <a:r>
+              <a:rPr lang="zh-CN" altLang="en-US" sz="1600" dirty="0">
+                <a:solidFill>
+                  <a:schemeClr val="bg1"/>
+                </a:solidFill>
+              </a:rPr>
+              <a:t>我改的代码为什么没有执行到？</a:t>
+            </a:r>
+            <a:endParaRPr lang="en-US" altLang="zh-CN" sz="1600" dirty="0">
+              <a:solidFill>
+                <a:schemeClr val="bg1"/>
+              </a:solidFill>
+            </a:endParaRPr>
+          </a:p>
+          <a:p>
+            <a:r>
+              <a:rPr lang="zh-CN" altLang="en-US" sz="1600" dirty="0">
+                <a:solidFill>
+                  <a:schemeClr val="bg1"/>
+                </a:solidFill>
+              </a:rPr>
+              <a:t>线上无法 </a:t>
             </a:r>
             <a:r>
               <a:rPr lang="en-US" altLang="zh-CN" sz="1600" dirty="0">
@@ -8333,7 +7346,37 @@
                   <a:schemeClr val="bg1"/>
                 </a:solidFill>
               </a:rPr>
-              <a:t>？想知道某个方法的返回值？性能底下时，怎么定位问题？</a:t>
+              <a:t>？</a:t>
+            </a:r>
+            <a:endParaRPr lang="en-US" altLang="zh-CN" sz="1600" dirty="0">
+              <a:solidFill>
+                <a:schemeClr val="bg1"/>
+              </a:solidFill>
+            </a:endParaRPr>
+          </a:p>
+          <a:p>
+            <a:r>
+              <a:rPr lang="zh-CN" altLang="en-US" sz="1600" dirty="0">
+                <a:solidFill>
+                  <a:schemeClr val="bg1"/>
+                </a:solidFill>
+              </a:rPr>
+              <a:t>想知道某个方法的返回值？</a:t>
+            </a:r>
+            <a:endParaRPr lang="en-US" altLang="zh-CN" sz="1600" dirty="0">
+              <a:solidFill>
+                <a:schemeClr val="bg1"/>
+              </a:solidFill>
+            </a:endParaRPr>
+          </a:p>
+          <a:p>
+            <a:r>
+              <a:rPr lang="zh-CN" altLang="en-US" sz="1600" dirty="0">
+                <a:solidFill>
+                  <a:schemeClr val="bg1"/>
+                </a:solidFill>
+              </a:rPr>
+              <a:t>性能底下时，怎么定位问题？</a:t>
             </a:r>
           </a:p>
         </p:txBody>
@@ -8352,7 +7395,7 @@
         </p:nvGrpSpPr>
         <p:grpSpPr>
           <a:xfrm>
-            <a:off x="3382923" y="5734275"/>
+            <a:off x="3382923" y="4772188"/>
             <a:ext cx="505881" cy="505881"/>
             <a:chOff x="3630721" y="2168871"/>
             <a:chExt cx="532943" cy="532943"/>
@@ -8548,7 +7591,7 @@
                 </a:spcAft>
                 <a:defRPr/>
               </a:pPr>
-              <a:endParaRPr lang="zh-CN" altLang="en-US" sz="1600">
+              <a:endParaRPr lang="zh-CN" altLang="en-US" sz="1600" dirty="0">
                 <a:solidFill>
                   <a:srgbClr val="FFFFFF"/>
                 </a:solidFill>
@@ -8592,7 +7635,7 @@
                   <a:latin typeface="微软雅黑" panose="020B0503020204020204" pitchFamily="34" charset="-122"/>
                   <a:ea typeface="微软雅黑" panose="020B0503020204020204" pitchFamily="34" charset="-122"/>
                 </a:rPr>
-                <a:t>6</a:t>
+                <a:t>3</a:t>
               </a:r>
               <a:endParaRPr lang="zh-CN" altLang="en-US" sz="2000" dirty="0">
                 <a:solidFill>
@@ -9076,7 +8119,7 @@
                                           </p:stCondLst>
                                         </p:cTn>
                                         <p:tgtEl>
-                                          <p:spTgt spid="80"/>
+                                          <p:spTgt spid="41"/>
                                         </p:tgtEl>
                                         <p:attrNameLst>
                                           <p:attrName>style.visibility</p:attrName>
@@ -9090,7 +8133,7 @@
                                       <p:cBhvr additive="base">
                                         <p:cTn id="39" dur="500"/>
                                         <p:tgtEl>
-                                          <p:spTgt spid="80"/>
+                                          <p:spTgt spid="41"/>
                                         </p:tgtEl>
                                         <p:attrNameLst>
                                           <p:attrName>ppt_y</p:attrName>
@@ -9113,7 +8156,7 @@
                                       <p:cBhvr>
                                         <p:cTn id="40" dur="500"/>
                                         <p:tgtEl>
-                                          <p:spTgt spid="80"/>
+                                          <p:spTgt spid="41"/>
                                         </p:tgtEl>
                                       </p:cBhvr>
                                     </p:animEffect>
@@ -9134,7 +8177,7 @@
                                           </p:stCondLst>
                                         </p:cTn>
                                         <p:tgtEl>
-                                          <p:spTgt spid="35"/>
+                                          <p:spTgt spid="43"/>
                                         </p:tgtEl>
                                         <p:attrNameLst>
                                           <p:attrName>style.visibility</p:attrName>
@@ -9148,7 +8191,7 @@
                                       <p:cBhvr additive="base">
                                         <p:cTn id="43" dur="500"/>
                                         <p:tgtEl>
-                                          <p:spTgt spid="35"/>
+                                          <p:spTgt spid="43"/>
                                         </p:tgtEl>
                                         <p:attrNameLst>
                                           <p:attrName>ppt_y</p:attrName>
@@ -9171,7 +8214,7 @@
                                       <p:cBhvr>
                                         <p:cTn id="44" dur="500"/>
                                         <p:tgtEl>
-                                          <p:spTgt spid="35"/>
+                                          <p:spTgt spid="43"/>
                                         </p:tgtEl>
                                       </p:cBhvr>
                                     </p:animEffect>
@@ -9210,7 +8253,7 @@
                                           </p:stCondLst>
                                         </p:cTn>
                                         <p:tgtEl>
-                                          <p:spTgt spid="81"/>
+                                          <p:spTgt spid="42"/>
                                         </p:tgtEl>
                                         <p:attrNameLst>
                                           <p:attrName>style.visibility</p:attrName>
@@ -9223,636 +8266,6 @@
                                     <p:anim calcmode="lin" valueType="num">
                                       <p:cBhvr additive="base">
                                         <p:cTn id="49" dur="500"/>
-                                        <p:tgtEl>
-                                          <p:spTgt spid="81"/>
-                                        </p:tgtEl>
-                                        <p:attrNameLst>
-                                          <p:attrName>ppt_y</p:attrName>
-                                        </p:attrNameLst>
-                                      </p:cBhvr>
-                                      <p:tavLst>
-                                        <p:tav tm="0">
-                                          <p:val>
-                                            <p:strVal val="#ppt_y+#ppt_h*1.125000"/>
-                                          </p:val>
-                                        </p:tav>
-                                        <p:tav tm="100000">
-                                          <p:val>
-                                            <p:strVal val="#ppt_y"/>
-                                          </p:val>
-                                        </p:tav>
-                                      </p:tavLst>
-                                    </p:anim>
-                                    <p:animEffect transition="in" filter="wipe(up)">
-                                      <p:cBhvr>
-                                        <p:cTn id="50" dur="500"/>
-                                        <p:tgtEl>
-                                          <p:spTgt spid="81"/>
-                                        </p:tgtEl>
-                                      </p:cBhvr>
-                                    </p:animEffect>
-                                  </p:childTnLst>
-                                </p:cTn>
-                              </p:par>
-                            </p:childTnLst>
-                          </p:cTn>
-                        </p:par>
-                      </p:childTnLst>
-                    </p:cTn>
-                  </p:par>
-                  <p:par>
-                    <p:cTn id="51" fill="hold">
-                      <p:stCondLst>
-                        <p:cond delay="indefinite"/>
-                      </p:stCondLst>
-                      <p:childTnLst>
-                        <p:par>
-                          <p:cTn id="52" fill="hold">
-                            <p:stCondLst>
-                              <p:cond delay="0"/>
-                            </p:stCondLst>
-                            <p:childTnLst>
-                              <p:par>
-                                <p:cTn id="53" presetID="12" presetClass="entr" presetSubtype="4" fill="hold" grpId="0" nodeType="clickEffect">
-                                  <p:stCondLst>
-                                    <p:cond delay="0"/>
-                                  </p:stCondLst>
-                                  <p:childTnLst>
-                                    <p:set>
-                                      <p:cBhvr>
-                                        <p:cTn id="54" dur="1" fill="hold">
-                                          <p:stCondLst>
-                                            <p:cond delay="0"/>
-                                          </p:stCondLst>
-                                        </p:cTn>
-                                        <p:tgtEl>
-                                          <p:spTgt spid="83"/>
-                                        </p:tgtEl>
-                                        <p:attrNameLst>
-                                          <p:attrName>style.visibility</p:attrName>
-                                        </p:attrNameLst>
-                                      </p:cBhvr>
-                                      <p:to>
-                                        <p:strVal val="visible"/>
-                                      </p:to>
-                                    </p:set>
-                                    <p:anim calcmode="lin" valueType="num">
-                                      <p:cBhvr additive="base">
-                                        <p:cTn id="55" dur="500"/>
-                                        <p:tgtEl>
-                                          <p:spTgt spid="83"/>
-                                        </p:tgtEl>
-                                        <p:attrNameLst>
-                                          <p:attrName>ppt_y</p:attrName>
-                                        </p:attrNameLst>
-                                      </p:cBhvr>
-                                      <p:tavLst>
-                                        <p:tav tm="0">
-                                          <p:val>
-                                            <p:strVal val="#ppt_y+#ppt_h*1.125000"/>
-                                          </p:val>
-                                        </p:tav>
-                                        <p:tav tm="100000">
-                                          <p:val>
-                                            <p:strVal val="#ppt_y"/>
-                                          </p:val>
-                                        </p:tav>
-                                      </p:tavLst>
-                                    </p:anim>
-                                    <p:animEffect transition="in" filter="wipe(up)">
-                                      <p:cBhvr>
-                                        <p:cTn id="56" dur="500"/>
-                                        <p:tgtEl>
-                                          <p:spTgt spid="83"/>
-                                        </p:tgtEl>
-                                      </p:cBhvr>
-                                    </p:animEffect>
-                                  </p:childTnLst>
-                                </p:cTn>
-                              </p:par>
-                              <p:par>
-                                <p:cTn id="57" presetID="12" presetClass="entr" presetSubtype="4" fill="hold" nodeType="withEffect">
-                                  <p:stCondLst>
-                                    <p:cond delay="0"/>
-                                  </p:stCondLst>
-                                  <p:childTnLst>
-                                    <p:set>
-                                      <p:cBhvr>
-                                        <p:cTn id="58" dur="1" fill="hold">
-                                          <p:stCondLst>
-                                            <p:cond delay="0"/>
-                                          </p:stCondLst>
-                                        </p:cTn>
-                                        <p:tgtEl>
-                                          <p:spTgt spid="38"/>
-                                        </p:tgtEl>
-                                        <p:attrNameLst>
-                                          <p:attrName>style.visibility</p:attrName>
-                                        </p:attrNameLst>
-                                      </p:cBhvr>
-                                      <p:to>
-                                        <p:strVal val="visible"/>
-                                      </p:to>
-                                    </p:set>
-                                    <p:anim calcmode="lin" valueType="num">
-                                      <p:cBhvr additive="base">
-                                        <p:cTn id="59" dur="500"/>
-                                        <p:tgtEl>
-                                          <p:spTgt spid="38"/>
-                                        </p:tgtEl>
-                                        <p:attrNameLst>
-                                          <p:attrName>ppt_y</p:attrName>
-                                        </p:attrNameLst>
-                                      </p:cBhvr>
-                                      <p:tavLst>
-                                        <p:tav tm="0">
-                                          <p:val>
-                                            <p:strVal val="#ppt_y+#ppt_h*1.125000"/>
-                                          </p:val>
-                                        </p:tav>
-                                        <p:tav tm="100000">
-                                          <p:val>
-                                            <p:strVal val="#ppt_y"/>
-                                          </p:val>
-                                        </p:tav>
-                                      </p:tavLst>
-                                    </p:anim>
-                                    <p:animEffect transition="in" filter="wipe(up)">
-                                      <p:cBhvr>
-                                        <p:cTn id="60" dur="500"/>
-                                        <p:tgtEl>
-                                          <p:spTgt spid="38"/>
-                                        </p:tgtEl>
-                                      </p:cBhvr>
-                                    </p:animEffect>
-                                  </p:childTnLst>
-                                </p:cTn>
-                              </p:par>
-                            </p:childTnLst>
-                          </p:cTn>
-                        </p:par>
-                      </p:childTnLst>
-                    </p:cTn>
-                  </p:par>
-                  <p:par>
-                    <p:cTn id="61" fill="hold">
-                      <p:stCondLst>
-                        <p:cond delay="indefinite"/>
-                      </p:stCondLst>
-                      <p:childTnLst>
-                        <p:par>
-                          <p:cTn id="62" fill="hold">
-                            <p:stCondLst>
-                              <p:cond delay="0"/>
-                            </p:stCondLst>
-                            <p:childTnLst>
-                              <p:par>
-                                <p:cTn id="63" presetID="12" presetClass="entr" presetSubtype="4" fill="hold" grpId="0" nodeType="clickEffect">
-                                  <p:stCondLst>
-                                    <p:cond delay="0"/>
-                                  </p:stCondLst>
-                                  <p:childTnLst>
-                                    <p:set>
-                                      <p:cBhvr>
-                                        <p:cTn id="64" dur="1" fill="hold">
-                                          <p:stCondLst>
-                                            <p:cond delay="0"/>
-                                          </p:stCondLst>
-                                        </p:cTn>
-                                        <p:tgtEl>
-                                          <p:spTgt spid="84"/>
-                                        </p:tgtEl>
-                                        <p:attrNameLst>
-                                          <p:attrName>style.visibility</p:attrName>
-                                        </p:attrNameLst>
-                                      </p:cBhvr>
-                                      <p:to>
-                                        <p:strVal val="visible"/>
-                                      </p:to>
-                                    </p:set>
-                                    <p:anim calcmode="lin" valueType="num">
-                                      <p:cBhvr additive="base">
-                                        <p:cTn id="65" dur="500"/>
-                                        <p:tgtEl>
-                                          <p:spTgt spid="84"/>
-                                        </p:tgtEl>
-                                        <p:attrNameLst>
-                                          <p:attrName>ppt_y</p:attrName>
-                                        </p:attrNameLst>
-                                      </p:cBhvr>
-                                      <p:tavLst>
-                                        <p:tav tm="0">
-                                          <p:val>
-                                            <p:strVal val="#ppt_y+#ppt_h*1.125000"/>
-                                          </p:val>
-                                        </p:tav>
-                                        <p:tav tm="100000">
-                                          <p:val>
-                                            <p:strVal val="#ppt_y"/>
-                                          </p:val>
-                                        </p:tav>
-                                      </p:tavLst>
-                                    </p:anim>
-                                    <p:animEffect transition="in" filter="wipe(up)">
-                                      <p:cBhvr>
-                                        <p:cTn id="66" dur="500"/>
-                                        <p:tgtEl>
-                                          <p:spTgt spid="84"/>
-                                        </p:tgtEl>
-                                      </p:cBhvr>
-                                    </p:animEffect>
-                                  </p:childTnLst>
-                                </p:cTn>
-                              </p:par>
-                            </p:childTnLst>
-                          </p:cTn>
-                        </p:par>
-                      </p:childTnLst>
-                    </p:cTn>
-                  </p:par>
-                  <p:par>
-                    <p:cTn id="67" fill="hold">
-                      <p:stCondLst>
-                        <p:cond delay="indefinite"/>
-                      </p:stCondLst>
-                      <p:childTnLst>
-                        <p:par>
-                          <p:cTn id="68" fill="hold">
-                            <p:stCondLst>
-                              <p:cond delay="0"/>
-                            </p:stCondLst>
-                            <p:childTnLst>
-                              <p:par>
-                                <p:cTn id="69" presetID="12" presetClass="entr" presetSubtype="4" fill="hold" grpId="0" nodeType="clickEffect">
-                                  <p:stCondLst>
-                                    <p:cond delay="0"/>
-                                  </p:stCondLst>
-                                  <p:childTnLst>
-                                    <p:set>
-                                      <p:cBhvr>
-                                        <p:cTn id="70" dur="1" fill="hold">
-                                          <p:stCondLst>
-                                            <p:cond delay="0"/>
-                                          </p:stCondLst>
-                                        </p:cTn>
-                                        <p:tgtEl>
-                                          <p:spTgt spid="24"/>
-                                        </p:tgtEl>
-                                        <p:attrNameLst>
-                                          <p:attrName>style.visibility</p:attrName>
-                                        </p:attrNameLst>
-                                      </p:cBhvr>
-                                      <p:to>
-                                        <p:strVal val="visible"/>
-                                      </p:to>
-                                    </p:set>
-                                    <p:anim calcmode="lin" valueType="num">
-                                      <p:cBhvr additive="base">
-                                        <p:cTn id="71" dur="500"/>
-                                        <p:tgtEl>
-                                          <p:spTgt spid="24"/>
-                                        </p:tgtEl>
-                                        <p:attrNameLst>
-                                          <p:attrName>ppt_y</p:attrName>
-                                        </p:attrNameLst>
-                                      </p:cBhvr>
-                                      <p:tavLst>
-                                        <p:tav tm="0">
-                                          <p:val>
-                                            <p:strVal val="#ppt_y+#ppt_h*1.125000"/>
-                                          </p:val>
-                                        </p:tav>
-                                        <p:tav tm="100000">
-                                          <p:val>
-                                            <p:strVal val="#ppt_y"/>
-                                          </p:val>
-                                        </p:tav>
-                                      </p:tavLst>
-                                    </p:anim>
-                                    <p:animEffect transition="in" filter="wipe(up)">
-                                      <p:cBhvr>
-                                        <p:cTn id="72" dur="500"/>
-                                        <p:tgtEl>
-                                          <p:spTgt spid="24"/>
-                                        </p:tgtEl>
-                                      </p:cBhvr>
-                                    </p:animEffect>
-                                  </p:childTnLst>
-                                </p:cTn>
-                              </p:par>
-                              <p:par>
-                                <p:cTn id="73" presetID="12" presetClass="entr" presetSubtype="4" fill="hold" nodeType="withEffect">
-                                  <p:stCondLst>
-                                    <p:cond delay="0"/>
-                                  </p:stCondLst>
-                                  <p:childTnLst>
-                                    <p:set>
-                                      <p:cBhvr>
-                                        <p:cTn id="74" dur="1" fill="hold">
-                                          <p:stCondLst>
-                                            <p:cond delay="0"/>
-                                          </p:stCondLst>
-                                        </p:cTn>
-                                        <p:tgtEl>
-                                          <p:spTgt spid="29"/>
-                                        </p:tgtEl>
-                                        <p:attrNameLst>
-                                          <p:attrName>style.visibility</p:attrName>
-                                        </p:attrNameLst>
-                                      </p:cBhvr>
-                                      <p:to>
-                                        <p:strVal val="visible"/>
-                                      </p:to>
-                                    </p:set>
-                                    <p:anim calcmode="lin" valueType="num">
-                                      <p:cBhvr additive="base">
-                                        <p:cTn id="75" dur="500"/>
-                                        <p:tgtEl>
-                                          <p:spTgt spid="29"/>
-                                        </p:tgtEl>
-                                        <p:attrNameLst>
-                                          <p:attrName>ppt_y</p:attrName>
-                                        </p:attrNameLst>
-                                      </p:cBhvr>
-                                      <p:tavLst>
-                                        <p:tav tm="0">
-                                          <p:val>
-                                            <p:strVal val="#ppt_y+#ppt_h*1.125000"/>
-                                          </p:val>
-                                        </p:tav>
-                                        <p:tav tm="100000">
-                                          <p:val>
-                                            <p:strVal val="#ppt_y"/>
-                                          </p:val>
-                                        </p:tav>
-                                      </p:tavLst>
-                                    </p:anim>
-                                    <p:animEffect transition="in" filter="wipe(up)">
-                                      <p:cBhvr>
-                                        <p:cTn id="76" dur="500"/>
-                                        <p:tgtEl>
-                                          <p:spTgt spid="29"/>
-                                        </p:tgtEl>
-                                      </p:cBhvr>
-                                    </p:animEffect>
-                                  </p:childTnLst>
-                                </p:cTn>
-                              </p:par>
-                            </p:childTnLst>
-                          </p:cTn>
-                        </p:par>
-                      </p:childTnLst>
-                    </p:cTn>
-                  </p:par>
-                  <p:par>
-                    <p:cTn id="77" fill="hold">
-                      <p:stCondLst>
-                        <p:cond delay="indefinite"/>
-                      </p:stCondLst>
-                      <p:childTnLst>
-                        <p:par>
-                          <p:cTn id="78" fill="hold">
-                            <p:stCondLst>
-                              <p:cond delay="0"/>
-                            </p:stCondLst>
-                            <p:childTnLst>
-                              <p:par>
-                                <p:cTn id="79" presetID="12" presetClass="entr" presetSubtype="4" fill="hold" grpId="0" nodeType="clickEffect">
-                                  <p:stCondLst>
-                                    <p:cond delay="0"/>
-                                  </p:stCondLst>
-                                  <p:childTnLst>
-                                    <p:set>
-                                      <p:cBhvr>
-                                        <p:cTn id="80" dur="1" fill="hold">
-                                          <p:stCondLst>
-                                            <p:cond delay="0"/>
-                                          </p:stCondLst>
-                                        </p:cTn>
-                                        <p:tgtEl>
-                                          <p:spTgt spid="25"/>
-                                        </p:tgtEl>
-                                        <p:attrNameLst>
-                                          <p:attrName>style.visibility</p:attrName>
-                                        </p:attrNameLst>
-                                      </p:cBhvr>
-                                      <p:to>
-                                        <p:strVal val="visible"/>
-                                      </p:to>
-                                    </p:set>
-                                    <p:anim calcmode="lin" valueType="num">
-                                      <p:cBhvr additive="base">
-                                        <p:cTn id="81" dur="500"/>
-                                        <p:tgtEl>
-                                          <p:spTgt spid="25"/>
-                                        </p:tgtEl>
-                                        <p:attrNameLst>
-                                          <p:attrName>ppt_y</p:attrName>
-                                        </p:attrNameLst>
-                                      </p:cBhvr>
-                                      <p:tavLst>
-                                        <p:tav tm="0">
-                                          <p:val>
-                                            <p:strVal val="#ppt_y+#ppt_h*1.125000"/>
-                                          </p:val>
-                                        </p:tav>
-                                        <p:tav tm="100000">
-                                          <p:val>
-                                            <p:strVal val="#ppt_y"/>
-                                          </p:val>
-                                        </p:tav>
-                                      </p:tavLst>
-                                    </p:anim>
-                                    <p:animEffect transition="in" filter="wipe(up)">
-                                      <p:cBhvr>
-                                        <p:cTn id="82" dur="500"/>
-                                        <p:tgtEl>
-                                          <p:spTgt spid="25"/>
-                                        </p:tgtEl>
-                                      </p:cBhvr>
-                                    </p:animEffect>
-                                  </p:childTnLst>
-                                </p:cTn>
-                              </p:par>
-                            </p:childTnLst>
-                          </p:cTn>
-                        </p:par>
-                      </p:childTnLst>
-                    </p:cTn>
-                  </p:par>
-                  <p:par>
-                    <p:cTn id="83" fill="hold">
-                      <p:stCondLst>
-                        <p:cond delay="indefinite"/>
-                      </p:stCondLst>
-                      <p:childTnLst>
-                        <p:par>
-                          <p:cTn id="84" fill="hold">
-                            <p:stCondLst>
-                              <p:cond delay="0"/>
-                            </p:stCondLst>
-                            <p:childTnLst>
-                              <p:par>
-                                <p:cTn id="85" presetID="12" presetClass="entr" presetSubtype="4" fill="hold" grpId="0" nodeType="clickEffect">
-                                  <p:stCondLst>
-                                    <p:cond delay="0"/>
-                                  </p:stCondLst>
-                                  <p:childTnLst>
-                                    <p:set>
-                                      <p:cBhvr>
-                                        <p:cTn id="86" dur="1" fill="hold">
-                                          <p:stCondLst>
-                                            <p:cond delay="0"/>
-                                          </p:stCondLst>
-                                        </p:cTn>
-                                        <p:tgtEl>
-                                          <p:spTgt spid="41"/>
-                                        </p:tgtEl>
-                                        <p:attrNameLst>
-                                          <p:attrName>style.visibility</p:attrName>
-                                        </p:attrNameLst>
-                                      </p:cBhvr>
-                                      <p:to>
-                                        <p:strVal val="visible"/>
-                                      </p:to>
-                                    </p:set>
-                                    <p:anim calcmode="lin" valueType="num">
-                                      <p:cBhvr additive="base">
-                                        <p:cTn id="87" dur="500"/>
-                                        <p:tgtEl>
-                                          <p:spTgt spid="41"/>
-                                        </p:tgtEl>
-                                        <p:attrNameLst>
-                                          <p:attrName>ppt_y</p:attrName>
-                                        </p:attrNameLst>
-                                      </p:cBhvr>
-                                      <p:tavLst>
-                                        <p:tav tm="0">
-                                          <p:val>
-                                            <p:strVal val="#ppt_y+#ppt_h*1.125000"/>
-                                          </p:val>
-                                        </p:tav>
-                                        <p:tav tm="100000">
-                                          <p:val>
-                                            <p:strVal val="#ppt_y"/>
-                                          </p:val>
-                                        </p:tav>
-                                      </p:tavLst>
-                                    </p:anim>
-                                    <p:animEffect transition="in" filter="wipe(up)">
-                                      <p:cBhvr>
-                                        <p:cTn id="88" dur="500"/>
-                                        <p:tgtEl>
-                                          <p:spTgt spid="41"/>
-                                        </p:tgtEl>
-                                      </p:cBhvr>
-                                    </p:animEffect>
-                                  </p:childTnLst>
-                                </p:cTn>
-                              </p:par>
-                              <p:par>
-                                <p:cTn id="89" presetID="12" presetClass="entr" presetSubtype="4" fill="hold" nodeType="withEffect">
-                                  <p:stCondLst>
-                                    <p:cond delay="0"/>
-                                  </p:stCondLst>
-                                  <p:childTnLst>
-                                    <p:set>
-                                      <p:cBhvr>
-                                        <p:cTn id="90" dur="1" fill="hold">
-                                          <p:stCondLst>
-                                            <p:cond delay="0"/>
-                                          </p:stCondLst>
-                                        </p:cTn>
-                                        <p:tgtEl>
-                                          <p:spTgt spid="43"/>
-                                        </p:tgtEl>
-                                        <p:attrNameLst>
-                                          <p:attrName>style.visibility</p:attrName>
-                                        </p:attrNameLst>
-                                      </p:cBhvr>
-                                      <p:to>
-                                        <p:strVal val="visible"/>
-                                      </p:to>
-                                    </p:set>
-                                    <p:anim calcmode="lin" valueType="num">
-                                      <p:cBhvr additive="base">
-                                        <p:cTn id="91" dur="500"/>
-                                        <p:tgtEl>
-                                          <p:spTgt spid="43"/>
-                                        </p:tgtEl>
-                                        <p:attrNameLst>
-                                          <p:attrName>ppt_y</p:attrName>
-                                        </p:attrNameLst>
-                                      </p:cBhvr>
-                                      <p:tavLst>
-                                        <p:tav tm="0">
-                                          <p:val>
-                                            <p:strVal val="#ppt_y+#ppt_h*1.125000"/>
-                                          </p:val>
-                                        </p:tav>
-                                        <p:tav tm="100000">
-                                          <p:val>
-                                            <p:strVal val="#ppt_y"/>
-                                          </p:val>
-                                        </p:tav>
-                                      </p:tavLst>
-                                    </p:anim>
-                                    <p:animEffect transition="in" filter="wipe(up)">
-                                      <p:cBhvr>
-                                        <p:cTn id="92" dur="500"/>
-                                        <p:tgtEl>
-                                          <p:spTgt spid="43"/>
-                                        </p:tgtEl>
-                                      </p:cBhvr>
-                                    </p:animEffect>
-                                  </p:childTnLst>
-                                </p:cTn>
-                              </p:par>
-                            </p:childTnLst>
-                          </p:cTn>
-                        </p:par>
-                      </p:childTnLst>
-                    </p:cTn>
-                  </p:par>
-                  <p:par>
-                    <p:cTn id="93" fill="hold">
-                      <p:stCondLst>
-                        <p:cond delay="indefinite"/>
-                      </p:stCondLst>
-                      <p:childTnLst>
-                        <p:par>
-                          <p:cTn id="94" fill="hold">
-                            <p:stCondLst>
-                              <p:cond delay="0"/>
-                            </p:stCondLst>
-                            <p:childTnLst>
-                              <p:par>
-                                <p:cTn id="95" presetID="12" presetClass="entr" presetSubtype="4" fill="hold" grpId="0" nodeType="clickEffect">
-                                  <p:stCondLst>
-                                    <p:cond delay="0"/>
-                                  </p:stCondLst>
-                                  <p:childTnLst>
-                                    <p:set>
-                                      <p:cBhvr>
-                                        <p:cTn id="96" dur="1" fill="hold">
-                                          <p:stCondLst>
-                                            <p:cond delay="0"/>
-                                          </p:stCondLst>
-                                        </p:cTn>
-                                        <p:tgtEl>
-                                          <p:spTgt spid="42"/>
-                                        </p:tgtEl>
-                                        <p:attrNameLst>
-                                          <p:attrName>style.visibility</p:attrName>
-                                        </p:attrNameLst>
-                                      </p:cBhvr>
-                                      <p:to>
-                                        <p:strVal val="visible"/>
-                                      </p:to>
-                                    </p:set>
-                                    <p:anim calcmode="lin" valueType="num">
-                                      <p:cBhvr additive="base">
-                                        <p:cTn id="97" dur="500"/>
                                         <p:tgtEl>
                                           <p:spTgt spid="42"/>
                                         </p:tgtEl>
@@ -9875,7 +8288,7 @@
                                     </p:anim>
                                     <p:animEffect transition="in" filter="wipe(up)">
                                       <p:cBhvr>
-                                        <p:cTn id="98" dur="500"/>
+                                        <p:cTn id="50" dur="500"/>
                                         <p:tgtEl>
                                           <p:spTgt spid="42"/>
                                         </p:tgtEl>
@@ -9916,12 +8329,6 @@
       <p:bldP spid="74" grpId="0"/>
       <p:bldP spid="77" grpId="0"/>
       <p:bldP spid="78" grpId="0"/>
-      <p:bldP spid="80" grpId="0"/>
-      <p:bldP spid="81" grpId="0"/>
-      <p:bldP spid="83" grpId="0"/>
-      <p:bldP spid="84" grpId="0"/>
-      <p:bldP spid="24" grpId="0"/>
-      <p:bldP spid="25" grpId="0"/>
       <p:bldP spid="41" grpId="0"/>
       <p:bldP spid="42" grpId="0"/>
     </p:bldLst>
@@ -15099,7 +13506,7 @@
         </p:nvSpPr>
         <p:spPr>
           <a:xfrm>
-            <a:off x="617220" y="1463040"/>
+            <a:off x="447887" y="1259840"/>
             <a:ext cx="11588429" cy="646331"/>
           </a:xfrm>
           <a:prstGeom prst="rect">
@@ -15149,6 +13556,313 @@
               <a:t>HashTable</a:t>
             </a:r>
             <a:endParaRPr kumimoji="1" lang="zh-CN" altLang="en-US" dirty="0"/>
+          </a:p>
+        </p:txBody>
+      </p:sp>
+      <p:sp>
+        <p:nvSpPr>
+          <p:cNvPr id="4" name="文本框 3">
+            <a:extLst>
+              <a:ext uri="{FF2B5EF4-FFF2-40B4-BE49-F238E27FC236}">
+                <a16:creationId xmlns:a16="http://schemas.microsoft.com/office/drawing/2014/main" id="{28596D91-C175-42FB-AEF2-70D02482C849}"/>
+              </a:ext>
+            </a:extLst>
+          </p:cNvPr>
+          <p:cNvSpPr txBox="1"/>
+          <p:nvPr/>
+        </p:nvSpPr>
+        <p:spPr>
+          <a:xfrm>
+            <a:off x="447886" y="2110555"/>
+            <a:ext cx="3164649" cy="369332"/>
+          </a:xfrm>
+          <a:prstGeom prst="rect">
+            <a:avLst/>
+          </a:prstGeom>
+          <a:noFill/>
+        </p:spPr>
+        <p:txBody>
+          <a:bodyPr wrap="none" rtlCol="0">
+            <a:spAutoFit/>
+          </a:bodyPr>
+          <a:lstStyle/>
+          <a:p>
+            <a:r>
+              <a:rPr kumimoji="1" lang="en-US" altLang="zh-CN" dirty="0"/>
+              <a:t>Object </a:t>
+            </a:r>
+            <a:r>
+              <a:rPr kumimoji="1" lang="zh-CN" altLang="en-US" dirty="0"/>
+              <a:t>的规范约定内容如下：</a:t>
+            </a:r>
+          </a:p>
+        </p:txBody>
+      </p:sp>
+      <p:sp>
+        <p:nvSpPr>
+          <p:cNvPr id="5" name="文本框 4">
+            <a:extLst>
+              <a:ext uri="{FF2B5EF4-FFF2-40B4-BE49-F238E27FC236}">
+                <a16:creationId xmlns:a16="http://schemas.microsoft.com/office/drawing/2014/main" id="{949A1984-4D3F-42CA-8D94-DF1D3376D432}"/>
+              </a:ext>
+            </a:extLst>
+          </p:cNvPr>
+          <p:cNvSpPr txBox="1"/>
+          <p:nvPr/>
+        </p:nvSpPr>
+        <p:spPr>
+          <a:xfrm>
+            <a:off x="747041" y="2591938"/>
+            <a:ext cx="11317522" cy="646331"/>
+          </a:xfrm>
+          <a:prstGeom prst="rect">
+            <a:avLst/>
+          </a:prstGeom>
+          <a:noFill/>
+        </p:spPr>
+        <p:txBody>
+          <a:bodyPr wrap="none" rtlCol="0">
+            <a:spAutoFit/>
+          </a:bodyPr>
+          <a:lstStyle/>
+          <a:p>
+            <a:r>
+              <a:rPr kumimoji="1" lang="en-US" altLang="zh-CN" dirty="0"/>
+              <a:t>1.</a:t>
+            </a:r>
+            <a:r>
+              <a:rPr kumimoji="1" lang="zh-CN" altLang="en-US" dirty="0"/>
+              <a:t>在对象信息不变的情况下，多次调同一个对象的 </a:t>
+            </a:r>
+            <a:r>
+              <a:rPr kumimoji="1" lang="en-US" altLang="zh-CN" dirty="0" err="1"/>
+              <a:t>hashCode</a:t>
+            </a:r>
+            <a:r>
+              <a:rPr kumimoji="1" lang="en-US" altLang="zh-CN" dirty="0"/>
+              <a:t> </a:t>
+            </a:r>
+            <a:r>
+              <a:rPr kumimoji="1" lang="zh-CN" altLang="en-US" dirty="0"/>
+              <a:t>方法，必须返回同一个整数。在同一个应用程序的</a:t>
+            </a:r>
+            <a:endParaRPr kumimoji="1" lang="en-US" altLang="zh-CN" dirty="0"/>
+          </a:p>
+          <a:p>
+            <a:r>
+              <a:rPr kumimoji="1" lang="zh-CN" altLang="en-US" dirty="0"/>
+              <a:t>多次执行过程中，每次执行所返回的整数可以不一致。</a:t>
+            </a:r>
+            <a:r>
+              <a:rPr kumimoji="1" lang="en-US" altLang="zh-CN" dirty="0"/>
+              <a:t> </a:t>
+            </a:r>
+            <a:endParaRPr kumimoji="1" lang="zh-CN" altLang="en-US" dirty="0"/>
+          </a:p>
+        </p:txBody>
+      </p:sp>
+      <p:sp>
+        <p:nvSpPr>
+          <p:cNvPr id="6" name="文本框 5">
+            <a:extLst>
+              <a:ext uri="{FF2B5EF4-FFF2-40B4-BE49-F238E27FC236}">
+                <a16:creationId xmlns:a16="http://schemas.microsoft.com/office/drawing/2014/main" id="{E1DD1819-7758-49BD-8E88-2F1544149722}"/>
+              </a:ext>
+            </a:extLst>
+          </p:cNvPr>
+          <p:cNvSpPr txBox="1"/>
+          <p:nvPr/>
+        </p:nvSpPr>
+        <p:spPr>
+          <a:xfrm>
+            <a:off x="718794" y="3350320"/>
+            <a:ext cx="11503470" cy="646331"/>
+          </a:xfrm>
+          <a:prstGeom prst="rect">
+            <a:avLst/>
+          </a:prstGeom>
+          <a:noFill/>
+        </p:spPr>
+        <p:txBody>
+          <a:bodyPr wrap="none" rtlCol="0">
+            <a:spAutoFit/>
+          </a:bodyPr>
+          <a:lstStyle/>
+          <a:p>
+            <a:r>
+              <a:rPr kumimoji="1" lang="en-US" altLang="zh-CN" dirty="0"/>
+              <a:t>2.</a:t>
+            </a:r>
+            <a:r>
+              <a:rPr lang="zh-CN" altLang="en-US" dirty="0"/>
+              <a:t>如果两个对象根据</a:t>
+            </a:r>
+            <a:r>
+              <a:rPr lang="en-US" altLang="zh-CN" dirty="0"/>
+              <a:t>equals()</a:t>
+            </a:r>
+            <a:r>
+              <a:rPr lang="zh-CN" altLang="en-US" dirty="0"/>
+              <a:t>方法比较是</a:t>
+            </a:r>
+            <a:r>
+              <a:rPr lang="zh-CN" altLang="en-US" dirty="0">
+                <a:highlight>
+                  <a:srgbClr val="FFFF00"/>
+                </a:highlight>
+              </a:rPr>
+              <a:t>相等的</a:t>
+            </a:r>
+            <a:r>
+              <a:rPr lang="zh-CN" altLang="en-US" dirty="0"/>
+              <a:t>，那么调用这两个对象中任意一个对象的</a:t>
+            </a:r>
+            <a:r>
+              <a:rPr lang="en-US" altLang="zh-CN" dirty="0" err="1"/>
+              <a:t>hashCode</a:t>
+            </a:r>
+            <a:r>
+              <a:rPr lang="zh-CN" altLang="en-US" dirty="0"/>
+              <a:t>方法都必须产生</a:t>
+            </a:r>
+            <a:endParaRPr lang="en-US" altLang="zh-CN" dirty="0"/>
+          </a:p>
+          <a:p>
+            <a:r>
+              <a:rPr lang="zh-CN" altLang="en-US" dirty="0"/>
+              <a:t>同样的整数结果</a:t>
+            </a:r>
+            <a:endParaRPr kumimoji="1" lang="zh-CN" altLang="en-US" dirty="0"/>
+          </a:p>
+        </p:txBody>
+      </p:sp>
+      <p:sp>
+        <p:nvSpPr>
+          <p:cNvPr id="7" name="文本框 6">
+            <a:extLst>
+              <a:ext uri="{FF2B5EF4-FFF2-40B4-BE49-F238E27FC236}">
+                <a16:creationId xmlns:a16="http://schemas.microsoft.com/office/drawing/2014/main" id="{33B9A091-E117-410F-B923-A4ADD64FE4BD}"/>
+              </a:ext>
+            </a:extLst>
+          </p:cNvPr>
+          <p:cNvSpPr txBox="1"/>
+          <p:nvPr/>
+        </p:nvSpPr>
+        <p:spPr>
+          <a:xfrm>
+            <a:off x="718794" y="4184064"/>
+            <a:ext cx="11272638" cy="646331"/>
+          </a:xfrm>
+          <a:prstGeom prst="rect">
+            <a:avLst/>
+          </a:prstGeom>
+          <a:noFill/>
+        </p:spPr>
+        <p:txBody>
+          <a:bodyPr wrap="none" rtlCol="0">
+            <a:spAutoFit/>
+          </a:bodyPr>
+          <a:lstStyle/>
+          <a:p>
+            <a:r>
+              <a:rPr kumimoji="1" lang="en-US" altLang="zh-CN" dirty="0"/>
+              <a:t>3.</a:t>
+            </a:r>
+            <a:r>
+              <a:rPr lang="zh-CN" altLang="en-US" dirty="0"/>
+              <a:t>如果两个对象根据</a:t>
+            </a:r>
+            <a:r>
+              <a:rPr lang="en-US" altLang="zh-CN" dirty="0"/>
+              <a:t>equals()</a:t>
+            </a:r>
+            <a:r>
+              <a:rPr lang="zh-CN" altLang="en-US" dirty="0"/>
+              <a:t>方法比较是</a:t>
+            </a:r>
+            <a:r>
+              <a:rPr lang="zh-CN" altLang="en-US" dirty="0">
+                <a:highlight>
+                  <a:srgbClr val="FFFF00"/>
+                </a:highlight>
+              </a:rPr>
+              <a:t>不相等的</a:t>
+            </a:r>
+            <a:r>
+              <a:rPr lang="zh-CN" altLang="en-US" dirty="0"/>
+              <a:t>，那么调用这两个对象中任意一个对象的</a:t>
+            </a:r>
+            <a:r>
+              <a:rPr lang="en-US" altLang="zh-CN" dirty="0" err="1"/>
+              <a:t>hashCode</a:t>
+            </a:r>
+            <a:r>
+              <a:rPr lang="zh-CN" altLang="en-US" dirty="0"/>
+              <a:t>方法，则不</a:t>
+            </a:r>
+            <a:endParaRPr lang="en-US" altLang="zh-CN" dirty="0"/>
+          </a:p>
+          <a:p>
+            <a:r>
+              <a:rPr lang="zh-CN" altLang="en-US" dirty="0"/>
+              <a:t>一定要产生相同的整数结果</a:t>
+            </a:r>
+            <a:endParaRPr kumimoji="1" lang="zh-CN" altLang="en-US" dirty="0"/>
+          </a:p>
+        </p:txBody>
+      </p:sp>
+      <p:sp>
+        <p:nvSpPr>
+          <p:cNvPr id="8" name="文本框 7">
+            <a:extLst>
+              <a:ext uri="{FF2B5EF4-FFF2-40B4-BE49-F238E27FC236}">
+                <a16:creationId xmlns:a16="http://schemas.microsoft.com/office/drawing/2014/main" id="{78F48C72-DC75-4D47-85CE-E1CE2E8E400A}"/>
+              </a:ext>
+            </a:extLst>
+          </p:cNvPr>
+          <p:cNvSpPr txBox="1"/>
+          <p:nvPr/>
+        </p:nvSpPr>
+        <p:spPr>
+          <a:xfrm>
+            <a:off x="747041" y="5274994"/>
+            <a:ext cx="8398453" cy="369332"/>
+          </a:xfrm>
+          <a:prstGeom prst="rect">
+            <a:avLst/>
+          </a:prstGeom>
+          <a:noFill/>
+        </p:spPr>
+        <p:txBody>
+          <a:bodyPr wrap="none" rtlCol="0">
+            <a:spAutoFit/>
+          </a:bodyPr>
+          <a:lstStyle/>
+          <a:p>
+            <a:r>
+              <a:rPr kumimoji="1" lang="zh-CN" altLang="en-US" dirty="0"/>
+              <a:t>在散列集合中，都是先用 </a:t>
+            </a:r>
+            <a:r>
+              <a:rPr kumimoji="1" lang="en-US" altLang="zh-CN" dirty="0" err="1"/>
+              <a:t>hashCode</a:t>
+            </a:r>
+            <a:r>
+              <a:rPr kumimoji="1" lang="en-US" altLang="zh-CN" dirty="0"/>
+              <a:t> </a:t>
+            </a:r>
+            <a:r>
+              <a:rPr kumimoji="1" lang="zh-CN" altLang="en-US" dirty="0"/>
+              <a:t>来定位，如果相同，再用 </a:t>
+            </a:r>
+            <a:r>
+              <a:rPr kumimoji="1" lang="en-US" altLang="zh-CN" dirty="0"/>
+              <a:t>equals </a:t>
+            </a:r>
+            <a:r>
+              <a:rPr kumimoji="1" lang="zh-CN" altLang="en-US" dirty="0"/>
+              <a:t>判断是否相等</a:t>
+            </a:r>
           </a:p>
         </p:txBody>
       </p:sp>
@@ -15174,6 +13888,638 @@
       </p:transition>
     </mc:Fallback>
   </mc:AlternateContent>
+  <p:timing>
+    <p:tnLst>
+      <p:par>
+        <p:cTn id="1" dur="indefinite" restart="never" nodeType="tmRoot">
+          <p:childTnLst>
+            <p:seq concurrent="1" nextAc="seek">
+              <p:cTn id="2" dur="indefinite" nodeType="mainSeq">
+                <p:childTnLst>
+                  <p:par>
+                    <p:cTn id="3" fill="hold">
+                      <p:stCondLst>
+                        <p:cond delay="indefinite"/>
+                      </p:stCondLst>
+                      <p:childTnLst>
+                        <p:par>
+                          <p:cTn id="4" fill="hold">
+                            <p:stCondLst>
+                              <p:cond delay="0"/>
+                            </p:stCondLst>
+                            <p:childTnLst>
+                              <p:par>
+                                <p:cTn id="5" presetID="42" presetClass="entr" presetSubtype="0" fill="hold" grpId="0" nodeType="clickEffect">
+                                  <p:stCondLst>
+                                    <p:cond delay="0"/>
+                                  </p:stCondLst>
+                                  <p:childTnLst>
+                                    <p:set>
+                                      <p:cBhvr>
+                                        <p:cTn id="6" dur="1" fill="hold">
+                                          <p:stCondLst>
+                                            <p:cond delay="0"/>
+                                          </p:stCondLst>
+                                        </p:cTn>
+                                        <p:tgtEl>
+                                          <p:spTgt spid="2"/>
+                                        </p:tgtEl>
+                                        <p:attrNameLst>
+                                          <p:attrName>style.visibility</p:attrName>
+                                        </p:attrNameLst>
+                                      </p:cBhvr>
+                                      <p:to>
+                                        <p:strVal val="visible"/>
+                                      </p:to>
+                                    </p:set>
+                                    <p:animEffect transition="in" filter="fade">
+                                      <p:cBhvr>
+                                        <p:cTn id="7" dur="1000"/>
+                                        <p:tgtEl>
+                                          <p:spTgt spid="2"/>
+                                        </p:tgtEl>
+                                      </p:cBhvr>
+                                    </p:animEffect>
+                                    <p:anim calcmode="lin" valueType="num">
+                                      <p:cBhvr>
+                                        <p:cTn id="8" dur="1000" fill="hold"/>
+                                        <p:tgtEl>
+                                          <p:spTgt spid="2"/>
+                                        </p:tgtEl>
+                                        <p:attrNameLst>
+                                          <p:attrName>ppt_x</p:attrName>
+                                        </p:attrNameLst>
+                                      </p:cBhvr>
+                                      <p:tavLst>
+                                        <p:tav tm="0">
+                                          <p:val>
+                                            <p:strVal val="#ppt_x"/>
+                                          </p:val>
+                                        </p:tav>
+                                        <p:tav tm="100000">
+                                          <p:val>
+                                            <p:strVal val="#ppt_x"/>
+                                          </p:val>
+                                        </p:tav>
+                                      </p:tavLst>
+                                    </p:anim>
+                                    <p:anim calcmode="lin" valueType="num">
+                                      <p:cBhvr>
+                                        <p:cTn id="9" dur="1000" fill="hold"/>
+                                        <p:tgtEl>
+                                          <p:spTgt spid="2"/>
+                                        </p:tgtEl>
+                                        <p:attrNameLst>
+                                          <p:attrName>ppt_y</p:attrName>
+                                        </p:attrNameLst>
+                                      </p:cBhvr>
+                                      <p:tavLst>
+                                        <p:tav tm="0">
+                                          <p:val>
+                                            <p:strVal val="#ppt_y+.1"/>
+                                          </p:val>
+                                        </p:tav>
+                                        <p:tav tm="100000">
+                                          <p:val>
+                                            <p:strVal val="#ppt_y"/>
+                                          </p:val>
+                                        </p:tav>
+                                      </p:tavLst>
+                                    </p:anim>
+                                  </p:childTnLst>
+                                </p:cTn>
+                              </p:par>
+                            </p:childTnLst>
+                          </p:cTn>
+                        </p:par>
+                      </p:childTnLst>
+                    </p:cTn>
+                  </p:par>
+                  <p:par>
+                    <p:cTn id="10" fill="hold">
+                      <p:stCondLst>
+                        <p:cond delay="indefinite"/>
+                      </p:stCondLst>
+                      <p:childTnLst>
+                        <p:par>
+                          <p:cTn id="11" fill="hold">
+                            <p:stCondLst>
+                              <p:cond delay="0"/>
+                            </p:stCondLst>
+                            <p:childTnLst>
+                              <p:par>
+                                <p:cTn id="12" presetID="42" presetClass="entr" presetSubtype="0" fill="hold" grpId="0" nodeType="clickEffect">
+                                  <p:stCondLst>
+                                    <p:cond delay="0"/>
+                                  </p:stCondLst>
+                                  <p:childTnLst>
+                                    <p:set>
+                                      <p:cBhvr>
+                                        <p:cTn id="13" dur="1" fill="hold">
+                                          <p:stCondLst>
+                                            <p:cond delay="0"/>
+                                          </p:stCondLst>
+                                        </p:cTn>
+                                        <p:tgtEl>
+                                          <p:spTgt spid="4"/>
+                                        </p:tgtEl>
+                                        <p:attrNameLst>
+                                          <p:attrName>style.visibility</p:attrName>
+                                        </p:attrNameLst>
+                                      </p:cBhvr>
+                                      <p:to>
+                                        <p:strVal val="visible"/>
+                                      </p:to>
+                                    </p:set>
+                                    <p:animEffect transition="in" filter="fade">
+                                      <p:cBhvr>
+                                        <p:cTn id="14" dur="1000"/>
+                                        <p:tgtEl>
+                                          <p:spTgt spid="4"/>
+                                        </p:tgtEl>
+                                      </p:cBhvr>
+                                    </p:animEffect>
+                                    <p:anim calcmode="lin" valueType="num">
+                                      <p:cBhvr>
+                                        <p:cTn id="15" dur="1000" fill="hold"/>
+                                        <p:tgtEl>
+                                          <p:spTgt spid="4"/>
+                                        </p:tgtEl>
+                                        <p:attrNameLst>
+                                          <p:attrName>ppt_x</p:attrName>
+                                        </p:attrNameLst>
+                                      </p:cBhvr>
+                                      <p:tavLst>
+                                        <p:tav tm="0">
+                                          <p:val>
+                                            <p:strVal val="#ppt_x"/>
+                                          </p:val>
+                                        </p:tav>
+                                        <p:tav tm="100000">
+                                          <p:val>
+                                            <p:strVal val="#ppt_x"/>
+                                          </p:val>
+                                        </p:tav>
+                                      </p:tavLst>
+                                    </p:anim>
+                                    <p:anim calcmode="lin" valueType="num">
+                                      <p:cBhvr>
+                                        <p:cTn id="16" dur="1000" fill="hold"/>
+                                        <p:tgtEl>
+                                          <p:spTgt spid="4"/>
+                                        </p:tgtEl>
+                                        <p:attrNameLst>
+                                          <p:attrName>ppt_y</p:attrName>
+                                        </p:attrNameLst>
+                                      </p:cBhvr>
+                                      <p:tavLst>
+                                        <p:tav tm="0">
+                                          <p:val>
+                                            <p:strVal val="#ppt_y+.1"/>
+                                          </p:val>
+                                        </p:tav>
+                                        <p:tav tm="100000">
+                                          <p:val>
+                                            <p:strVal val="#ppt_y"/>
+                                          </p:val>
+                                        </p:tav>
+                                      </p:tavLst>
+                                    </p:anim>
+                                  </p:childTnLst>
+                                </p:cTn>
+                              </p:par>
+                            </p:childTnLst>
+                          </p:cTn>
+                        </p:par>
+                      </p:childTnLst>
+                    </p:cTn>
+                  </p:par>
+                  <p:par>
+                    <p:cTn id="17" fill="hold">
+                      <p:stCondLst>
+                        <p:cond delay="indefinite"/>
+                      </p:stCondLst>
+                      <p:childTnLst>
+                        <p:par>
+                          <p:cTn id="18" fill="hold">
+                            <p:stCondLst>
+                              <p:cond delay="0"/>
+                            </p:stCondLst>
+                            <p:childTnLst>
+                              <p:par>
+                                <p:cTn id="19" presetID="42" presetClass="entr" presetSubtype="0" fill="hold" grpId="0" nodeType="clickEffect">
+                                  <p:stCondLst>
+                                    <p:cond delay="0"/>
+                                  </p:stCondLst>
+                                  <p:childTnLst>
+                                    <p:set>
+                                      <p:cBhvr>
+                                        <p:cTn id="20" dur="1" fill="hold">
+                                          <p:stCondLst>
+                                            <p:cond delay="0"/>
+                                          </p:stCondLst>
+                                        </p:cTn>
+                                        <p:tgtEl>
+                                          <p:spTgt spid="5"/>
+                                        </p:tgtEl>
+                                        <p:attrNameLst>
+                                          <p:attrName>style.visibility</p:attrName>
+                                        </p:attrNameLst>
+                                      </p:cBhvr>
+                                      <p:to>
+                                        <p:strVal val="visible"/>
+                                      </p:to>
+                                    </p:set>
+                                    <p:animEffect transition="in" filter="fade">
+                                      <p:cBhvr>
+                                        <p:cTn id="21" dur="1000"/>
+                                        <p:tgtEl>
+                                          <p:spTgt spid="5"/>
+                                        </p:tgtEl>
+                                      </p:cBhvr>
+                                    </p:animEffect>
+                                    <p:anim calcmode="lin" valueType="num">
+                                      <p:cBhvr>
+                                        <p:cTn id="22" dur="1000" fill="hold"/>
+                                        <p:tgtEl>
+                                          <p:spTgt spid="5"/>
+                                        </p:tgtEl>
+                                        <p:attrNameLst>
+                                          <p:attrName>ppt_x</p:attrName>
+                                        </p:attrNameLst>
+                                      </p:cBhvr>
+                                      <p:tavLst>
+                                        <p:tav tm="0">
+                                          <p:val>
+                                            <p:strVal val="#ppt_x"/>
+                                          </p:val>
+                                        </p:tav>
+                                        <p:tav tm="100000">
+                                          <p:val>
+                                            <p:strVal val="#ppt_x"/>
+                                          </p:val>
+                                        </p:tav>
+                                      </p:tavLst>
+                                    </p:anim>
+                                    <p:anim calcmode="lin" valueType="num">
+                                      <p:cBhvr>
+                                        <p:cTn id="23" dur="1000" fill="hold"/>
+                                        <p:tgtEl>
+                                          <p:spTgt spid="5"/>
+                                        </p:tgtEl>
+                                        <p:attrNameLst>
+                                          <p:attrName>ppt_y</p:attrName>
+                                        </p:attrNameLst>
+                                      </p:cBhvr>
+                                      <p:tavLst>
+                                        <p:tav tm="0">
+                                          <p:val>
+                                            <p:strVal val="#ppt_y+.1"/>
+                                          </p:val>
+                                        </p:tav>
+                                        <p:tav tm="100000">
+                                          <p:val>
+                                            <p:strVal val="#ppt_y"/>
+                                          </p:val>
+                                        </p:tav>
+                                      </p:tavLst>
+                                    </p:anim>
+                                  </p:childTnLst>
+                                </p:cTn>
+                              </p:par>
+                            </p:childTnLst>
+                          </p:cTn>
+                        </p:par>
+                      </p:childTnLst>
+                    </p:cTn>
+                  </p:par>
+                  <p:par>
+                    <p:cTn id="24" fill="hold">
+                      <p:stCondLst>
+                        <p:cond delay="indefinite"/>
+                      </p:stCondLst>
+                      <p:childTnLst>
+                        <p:par>
+                          <p:cTn id="25" fill="hold">
+                            <p:stCondLst>
+                              <p:cond delay="0"/>
+                            </p:stCondLst>
+                            <p:childTnLst>
+                              <p:par>
+                                <p:cTn id="26" presetID="42" presetClass="entr" presetSubtype="0" fill="hold" grpId="0" nodeType="clickEffect">
+                                  <p:stCondLst>
+                                    <p:cond delay="0"/>
+                                  </p:stCondLst>
+                                  <p:childTnLst>
+                                    <p:set>
+                                      <p:cBhvr>
+                                        <p:cTn id="27" dur="1" fill="hold">
+                                          <p:stCondLst>
+                                            <p:cond delay="0"/>
+                                          </p:stCondLst>
+                                        </p:cTn>
+                                        <p:tgtEl>
+                                          <p:spTgt spid="6"/>
+                                        </p:tgtEl>
+                                        <p:attrNameLst>
+                                          <p:attrName>style.visibility</p:attrName>
+                                        </p:attrNameLst>
+                                      </p:cBhvr>
+                                      <p:to>
+                                        <p:strVal val="visible"/>
+                                      </p:to>
+                                    </p:set>
+                                    <p:animEffect transition="in" filter="fade">
+                                      <p:cBhvr>
+                                        <p:cTn id="28" dur="1000"/>
+                                        <p:tgtEl>
+                                          <p:spTgt spid="6"/>
+                                        </p:tgtEl>
+                                      </p:cBhvr>
+                                    </p:animEffect>
+                                    <p:anim calcmode="lin" valueType="num">
+                                      <p:cBhvr>
+                                        <p:cTn id="29" dur="1000" fill="hold"/>
+                                        <p:tgtEl>
+                                          <p:spTgt spid="6"/>
+                                        </p:tgtEl>
+                                        <p:attrNameLst>
+                                          <p:attrName>ppt_x</p:attrName>
+                                        </p:attrNameLst>
+                                      </p:cBhvr>
+                                      <p:tavLst>
+                                        <p:tav tm="0">
+                                          <p:val>
+                                            <p:strVal val="#ppt_x"/>
+                                          </p:val>
+                                        </p:tav>
+                                        <p:tav tm="100000">
+                                          <p:val>
+                                            <p:strVal val="#ppt_x"/>
+                                          </p:val>
+                                        </p:tav>
+                                      </p:tavLst>
+                                    </p:anim>
+                                    <p:anim calcmode="lin" valueType="num">
+                                      <p:cBhvr>
+                                        <p:cTn id="30" dur="1000" fill="hold"/>
+                                        <p:tgtEl>
+                                          <p:spTgt spid="6"/>
+                                        </p:tgtEl>
+                                        <p:attrNameLst>
+                                          <p:attrName>ppt_y</p:attrName>
+                                        </p:attrNameLst>
+                                      </p:cBhvr>
+                                      <p:tavLst>
+                                        <p:tav tm="0">
+                                          <p:val>
+                                            <p:strVal val="#ppt_y+.1"/>
+                                          </p:val>
+                                        </p:tav>
+                                        <p:tav tm="100000">
+                                          <p:val>
+                                            <p:strVal val="#ppt_y"/>
+                                          </p:val>
+                                        </p:tav>
+                                      </p:tavLst>
+                                    </p:anim>
+                                  </p:childTnLst>
+                                </p:cTn>
+                              </p:par>
+                            </p:childTnLst>
+                          </p:cTn>
+                        </p:par>
+                      </p:childTnLst>
+                    </p:cTn>
+                  </p:par>
+                  <p:par>
+                    <p:cTn id="31" fill="hold">
+                      <p:stCondLst>
+                        <p:cond delay="indefinite"/>
+                      </p:stCondLst>
+                      <p:childTnLst>
+                        <p:par>
+                          <p:cTn id="32" fill="hold">
+                            <p:stCondLst>
+                              <p:cond delay="0"/>
+                            </p:stCondLst>
+                            <p:childTnLst>
+                              <p:par>
+                                <p:cTn id="33" presetID="42" presetClass="entr" presetSubtype="0" fill="hold" grpId="0" nodeType="clickEffect">
+                                  <p:stCondLst>
+                                    <p:cond delay="0"/>
+                                  </p:stCondLst>
+                                  <p:childTnLst>
+                                    <p:set>
+                                      <p:cBhvr>
+                                        <p:cTn id="34" dur="1" fill="hold">
+                                          <p:stCondLst>
+                                            <p:cond delay="0"/>
+                                          </p:stCondLst>
+                                        </p:cTn>
+                                        <p:tgtEl>
+                                          <p:spTgt spid="7"/>
+                                        </p:tgtEl>
+                                        <p:attrNameLst>
+                                          <p:attrName>style.visibility</p:attrName>
+                                        </p:attrNameLst>
+                                      </p:cBhvr>
+                                      <p:to>
+                                        <p:strVal val="visible"/>
+                                      </p:to>
+                                    </p:set>
+                                    <p:animEffect transition="in" filter="fade">
+                                      <p:cBhvr>
+                                        <p:cTn id="35" dur="1000"/>
+                                        <p:tgtEl>
+                                          <p:spTgt spid="7"/>
+                                        </p:tgtEl>
+                                      </p:cBhvr>
+                                    </p:animEffect>
+                                    <p:anim calcmode="lin" valueType="num">
+                                      <p:cBhvr>
+                                        <p:cTn id="36" dur="1000" fill="hold"/>
+                                        <p:tgtEl>
+                                          <p:spTgt spid="7"/>
+                                        </p:tgtEl>
+                                        <p:attrNameLst>
+                                          <p:attrName>ppt_x</p:attrName>
+                                        </p:attrNameLst>
+                                      </p:cBhvr>
+                                      <p:tavLst>
+                                        <p:tav tm="0">
+                                          <p:val>
+                                            <p:strVal val="#ppt_x"/>
+                                          </p:val>
+                                        </p:tav>
+                                        <p:tav tm="100000">
+                                          <p:val>
+                                            <p:strVal val="#ppt_x"/>
+                                          </p:val>
+                                        </p:tav>
+                                      </p:tavLst>
+                                    </p:anim>
+                                    <p:anim calcmode="lin" valueType="num">
+                                      <p:cBhvr>
+                                        <p:cTn id="37" dur="1000" fill="hold"/>
+                                        <p:tgtEl>
+                                          <p:spTgt spid="7"/>
+                                        </p:tgtEl>
+                                        <p:attrNameLst>
+                                          <p:attrName>ppt_y</p:attrName>
+                                        </p:attrNameLst>
+                                      </p:cBhvr>
+                                      <p:tavLst>
+                                        <p:tav tm="0">
+                                          <p:val>
+                                            <p:strVal val="#ppt_y+.1"/>
+                                          </p:val>
+                                        </p:tav>
+                                        <p:tav tm="100000">
+                                          <p:val>
+                                            <p:strVal val="#ppt_y"/>
+                                          </p:val>
+                                        </p:tav>
+                                      </p:tavLst>
+                                    </p:anim>
+                                  </p:childTnLst>
+                                </p:cTn>
+                              </p:par>
+                            </p:childTnLst>
+                          </p:cTn>
+                        </p:par>
+                      </p:childTnLst>
+                    </p:cTn>
+                  </p:par>
+                  <p:par>
+                    <p:cTn id="38" fill="hold">
+                      <p:stCondLst>
+                        <p:cond delay="indefinite"/>
+                      </p:stCondLst>
+                      <p:childTnLst>
+                        <p:par>
+                          <p:cTn id="39" fill="hold">
+                            <p:stCondLst>
+                              <p:cond delay="0"/>
+                            </p:stCondLst>
+                            <p:childTnLst>
+                              <p:par>
+                                <p:cTn id="40" presetID="42" presetClass="entr" presetSubtype="0" fill="hold" grpId="0" nodeType="clickEffect">
+                                  <p:stCondLst>
+                                    <p:cond delay="0"/>
+                                  </p:stCondLst>
+                                  <p:childTnLst>
+                                    <p:set>
+                                      <p:cBhvr>
+                                        <p:cTn id="41" dur="1" fill="hold">
+                                          <p:stCondLst>
+                                            <p:cond delay="0"/>
+                                          </p:stCondLst>
+                                        </p:cTn>
+                                        <p:tgtEl>
+                                          <p:spTgt spid="8"/>
+                                        </p:tgtEl>
+                                        <p:attrNameLst>
+                                          <p:attrName>style.visibility</p:attrName>
+                                        </p:attrNameLst>
+                                      </p:cBhvr>
+                                      <p:to>
+                                        <p:strVal val="visible"/>
+                                      </p:to>
+                                    </p:set>
+                                    <p:animEffect transition="in" filter="fade">
+                                      <p:cBhvr>
+                                        <p:cTn id="42" dur="1000"/>
+                                        <p:tgtEl>
+                                          <p:spTgt spid="8"/>
+                                        </p:tgtEl>
+                                      </p:cBhvr>
+                                    </p:animEffect>
+                                    <p:anim calcmode="lin" valueType="num">
+                                      <p:cBhvr>
+                                        <p:cTn id="43" dur="1000" fill="hold"/>
+                                        <p:tgtEl>
+                                          <p:spTgt spid="8"/>
+                                        </p:tgtEl>
+                                        <p:attrNameLst>
+                                          <p:attrName>ppt_x</p:attrName>
+                                        </p:attrNameLst>
+                                      </p:cBhvr>
+                                      <p:tavLst>
+                                        <p:tav tm="0">
+                                          <p:val>
+                                            <p:strVal val="#ppt_x"/>
+                                          </p:val>
+                                        </p:tav>
+                                        <p:tav tm="100000">
+                                          <p:val>
+                                            <p:strVal val="#ppt_x"/>
+                                          </p:val>
+                                        </p:tav>
+                                      </p:tavLst>
+                                    </p:anim>
+                                    <p:anim calcmode="lin" valueType="num">
+                                      <p:cBhvr>
+                                        <p:cTn id="44" dur="1000" fill="hold"/>
+                                        <p:tgtEl>
+                                          <p:spTgt spid="8"/>
+                                        </p:tgtEl>
+                                        <p:attrNameLst>
+                                          <p:attrName>ppt_y</p:attrName>
+                                        </p:attrNameLst>
+                                      </p:cBhvr>
+                                      <p:tavLst>
+                                        <p:tav tm="0">
+                                          <p:val>
+                                            <p:strVal val="#ppt_y+.1"/>
+                                          </p:val>
+                                        </p:tav>
+                                        <p:tav tm="100000">
+                                          <p:val>
+                                            <p:strVal val="#ppt_y"/>
+                                          </p:val>
+                                        </p:tav>
+                                      </p:tavLst>
+                                    </p:anim>
+                                  </p:childTnLst>
+                                </p:cTn>
+                              </p:par>
+                            </p:childTnLst>
+                          </p:cTn>
+                        </p:par>
+                      </p:childTnLst>
+                    </p:cTn>
+                  </p:par>
+                </p:childTnLst>
+              </p:cTn>
+              <p:prevCondLst>
+                <p:cond evt="onPrev" delay="0">
+                  <p:tgtEl>
+                    <p:sldTgt/>
+                  </p:tgtEl>
+                </p:cond>
+              </p:prevCondLst>
+              <p:nextCondLst>
+                <p:cond evt="onNext" delay="0">
+                  <p:tgtEl>
+                    <p:sldTgt/>
+                  </p:tgtEl>
+                </p:cond>
+              </p:nextCondLst>
+            </p:seq>
+          </p:childTnLst>
+        </p:cTn>
+      </p:par>
+    </p:tnLst>
+    <p:bldLst>
+      <p:bldP spid="2" grpId="0"/>
+      <p:bldP spid="4" grpId="0"/>
+      <p:bldP spid="5" grpId="0"/>
+      <p:bldP spid="6" grpId="0"/>
+      <p:bldP spid="7" grpId="0"/>
+      <p:bldP spid="8" grpId="0"/>
+    </p:bldLst>
+  </p:timing>
 </p:sld>
 </file>
 
@@ -15194,6 +14540,627 @@
           <a:chExt cx="0" cy="0"/>
         </a:xfrm>
       </p:grpSpPr>
+      <p:sp>
+        <p:nvSpPr>
+          <p:cNvPr id="2" name="椭圆 1">
+            <a:extLst>
+              <a:ext uri="{FF2B5EF4-FFF2-40B4-BE49-F238E27FC236}">
+                <a16:creationId xmlns:a16="http://schemas.microsoft.com/office/drawing/2014/main" id="{A4F4BF7C-F776-4232-A7B4-C3EB9BB6DF4D}"/>
+              </a:ext>
+            </a:extLst>
+          </p:cNvPr>
+          <p:cNvSpPr/>
+          <p:nvPr/>
+        </p:nvSpPr>
+        <p:spPr>
+          <a:xfrm>
+            <a:off x="7016043" y="3934176"/>
+            <a:ext cx="3211689" cy="1185333"/>
+          </a:xfrm>
+          <a:prstGeom prst="ellipse">
+            <a:avLst/>
+          </a:prstGeom>
+          <a:solidFill>
+            <a:schemeClr val="bg1"/>
+          </a:solidFill>
+          <a:ln w="57150">
+            <a:solidFill>
+              <a:srgbClr val="0070C0"/>
+            </a:solidFill>
+          </a:ln>
+        </p:spPr>
+        <p:style>
+          <a:lnRef idx="2">
+            <a:schemeClr val="accent1">
+              <a:shade val="50000"/>
+            </a:schemeClr>
+          </a:lnRef>
+          <a:fillRef idx="1">
+            <a:schemeClr val="accent1"/>
+          </a:fillRef>
+          <a:effectRef idx="0">
+            <a:schemeClr val="accent1"/>
+          </a:effectRef>
+          <a:fontRef idx="minor">
+            <a:schemeClr val="lt1"/>
+          </a:fontRef>
+        </p:style>
+        <p:txBody>
+          <a:bodyPr rtlCol="0" anchor="ctr"/>
+          <a:lstStyle/>
+          <a:p>
+            <a:pPr algn="ctr"/>
+            <a:r>
+              <a:rPr lang="en-US" altLang="zh-CN" sz="2000" dirty="0" err="1">
+                <a:solidFill>
+                  <a:schemeClr val="tx1"/>
+                </a:solidFill>
+                <a:latin typeface="+mn-ea"/>
+              </a:rPr>
+              <a:t>hashCode</a:t>
+            </a:r>
+            <a:r>
+              <a:rPr lang="en-US" altLang="zh-CN" sz="2000" dirty="0">
+                <a:solidFill>
+                  <a:schemeClr val="tx1"/>
+                </a:solidFill>
+                <a:latin typeface="+mn-ea"/>
+              </a:rPr>
+              <a:t>()</a:t>
+            </a:r>
+            <a:r>
+              <a:rPr lang="zh-CN" altLang="en-US" sz="2000" dirty="0">
+                <a:solidFill>
+                  <a:schemeClr val="tx1"/>
+                </a:solidFill>
+                <a:latin typeface="+mn-ea"/>
+              </a:rPr>
+              <a:t>不相等</a:t>
+            </a:r>
+          </a:p>
+        </p:txBody>
+      </p:sp>
+      <p:sp>
+        <p:nvSpPr>
+          <p:cNvPr id="3" name="椭圆 2">
+            <a:extLst>
+              <a:ext uri="{FF2B5EF4-FFF2-40B4-BE49-F238E27FC236}">
+                <a16:creationId xmlns:a16="http://schemas.microsoft.com/office/drawing/2014/main" id="{C2414BEE-8AAE-41C2-B261-370C856A0FD6}"/>
+              </a:ext>
+            </a:extLst>
+          </p:cNvPr>
+          <p:cNvSpPr/>
+          <p:nvPr/>
+        </p:nvSpPr>
+        <p:spPr>
+          <a:xfrm>
+            <a:off x="7016044" y="756355"/>
+            <a:ext cx="2844800" cy="1185333"/>
+          </a:xfrm>
+          <a:prstGeom prst="ellipse">
+            <a:avLst/>
+          </a:prstGeom>
+          <a:solidFill>
+            <a:schemeClr val="bg1"/>
+          </a:solidFill>
+          <a:ln w="57150">
+            <a:solidFill>
+              <a:srgbClr val="0070C0"/>
+            </a:solidFill>
+          </a:ln>
+        </p:spPr>
+        <p:style>
+          <a:lnRef idx="2">
+            <a:schemeClr val="accent1">
+              <a:shade val="50000"/>
+            </a:schemeClr>
+          </a:lnRef>
+          <a:fillRef idx="1">
+            <a:schemeClr val="accent1"/>
+          </a:fillRef>
+          <a:effectRef idx="0">
+            <a:schemeClr val="accent1"/>
+          </a:effectRef>
+          <a:fontRef idx="minor">
+            <a:schemeClr val="lt1"/>
+          </a:fontRef>
+        </p:style>
+        <p:txBody>
+          <a:bodyPr rtlCol="0" anchor="ctr"/>
+          <a:lstStyle/>
+          <a:p>
+            <a:pPr algn="ctr"/>
+            <a:r>
+              <a:rPr lang="en-US" altLang="zh-CN" sz="2000" dirty="0" err="1">
+                <a:solidFill>
+                  <a:schemeClr val="tx1"/>
+                </a:solidFill>
+                <a:latin typeface="+mn-ea"/>
+              </a:rPr>
+              <a:t>hashCode</a:t>
+            </a:r>
+            <a:r>
+              <a:rPr lang="en-US" altLang="zh-CN" sz="2000" dirty="0">
+                <a:solidFill>
+                  <a:schemeClr val="tx1"/>
+                </a:solidFill>
+                <a:latin typeface="+mn-ea"/>
+              </a:rPr>
+              <a:t>()</a:t>
+            </a:r>
+            <a:r>
+              <a:rPr lang="zh-CN" altLang="en-US" sz="2000" dirty="0">
+                <a:solidFill>
+                  <a:schemeClr val="tx1"/>
+                </a:solidFill>
+                <a:latin typeface="+mn-ea"/>
+              </a:rPr>
+              <a:t>相等</a:t>
+            </a:r>
+          </a:p>
+        </p:txBody>
+      </p:sp>
+      <p:sp>
+        <p:nvSpPr>
+          <p:cNvPr id="4" name="椭圆 3">
+            <a:extLst>
+              <a:ext uri="{FF2B5EF4-FFF2-40B4-BE49-F238E27FC236}">
+                <a16:creationId xmlns:a16="http://schemas.microsoft.com/office/drawing/2014/main" id="{6150962C-8A32-4011-8D8A-4913E1371D5F}"/>
+              </a:ext>
+            </a:extLst>
+          </p:cNvPr>
+          <p:cNvSpPr/>
+          <p:nvPr/>
+        </p:nvSpPr>
+        <p:spPr>
+          <a:xfrm>
+            <a:off x="920045" y="3934177"/>
+            <a:ext cx="2844800" cy="1185333"/>
+          </a:xfrm>
+          <a:prstGeom prst="ellipse">
+            <a:avLst/>
+          </a:prstGeom>
+          <a:solidFill>
+            <a:schemeClr val="bg1"/>
+          </a:solidFill>
+          <a:ln w="57150">
+            <a:solidFill>
+              <a:srgbClr val="0070C0"/>
+            </a:solidFill>
+          </a:ln>
+        </p:spPr>
+        <p:style>
+          <a:lnRef idx="2">
+            <a:schemeClr val="accent1">
+              <a:shade val="50000"/>
+            </a:schemeClr>
+          </a:lnRef>
+          <a:fillRef idx="1">
+            <a:schemeClr val="accent1"/>
+          </a:fillRef>
+          <a:effectRef idx="0">
+            <a:schemeClr val="accent1"/>
+          </a:effectRef>
+          <a:fontRef idx="minor">
+            <a:schemeClr val="lt1"/>
+          </a:fontRef>
+        </p:style>
+        <p:txBody>
+          <a:bodyPr rtlCol="0" anchor="ctr"/>
+          <a:lstStyle/>
+          <a:p>
+            <a:pPr algn="ctr"/>
+            <a:r>
+              <a:rPr lang="en-US" altLang="zh-CN" sz="2000" dirty="0">
+                <a:solidFill>
+                  <a:schemeClr val="tx1"/>
+                </a:solidFill>
+                <a:latin typeface="+mn-ea"/>
+              </a:rPr>
+              <a:t>equals()</a:t>
+            </a:r>
+            <a:r>
+              <a:rPr lang="zh-CN" altLang="en-US" sz="2000" dirty="0">
+                <a:solidFill>
+                  <a:schemeClr val="tx1"/>
+                </a:solidFill>
+                <a:latin typeface="+mn-ea"/>
+              </a:rPr>
+              <a:t>不相等</a:t>
+            </a:r>
+          </a:p>
+        </p:txBody>
+      </p:sp>
+      <p:sp>
+        <p:nvSpPr>
+          <p:cNvPr id="5" name="椭圆 4">
+            <a:extLst>
+              <a:ext uri="{FF2B5EF4-FFF2-40B4-BE49-F238E27FC236}">
+                <a16:creationId xmlns:a16="http://schemas.microsoft.com/office/drawing/2014/main" id="{9799E2C6-F65C-4041-9428-E6C6E1B547FB}"/>
+              </a:ext>
+            </a:extLst>
+          </p:cNvPr>
+          <p:cNvSpPr/>
+          <p:nvPr/>
+        </p:nvSpPr>
+        <p:spPr>
+          <a:xfrm>
+            <a:off x="920045" y="756355"/>
+            <a:ext cx="2844800" cy="1185333"/>
+          </a:xfrm>
+          <a:prstGeom prst="ellipse">
+            <a:avLst/>
+          </a:prstGeom>
+          <a:solidFill>
+            <a:schemeClr val="bg1"/>
+          </a:solidFill>
+          <a:ln w="57150">
+            <a:solidFill>
+              <a:srgbClr val="0070C0"/>
+            </a:solidFill>
+          </a:ln>
+        </p:spPr>
+        <p:style>
+          <a:lnRef idx="2">
+            <a:schemeClr val="accent1">
+              <a:shade val="50000"/>
+            </a:schemeClr>
+          </a:lnRef>
+          <a:fillRef idx="1">
+            <a:schemeClr val="accent1"/>
+          </a:fillRef>
+          <a:effectRef idx="0">
+            <a:schemeClr val="accent1"/>
+          </a:effectRef>
+          <a:fontRef idx="minor">
+            <a:schemeClr val="lt1"/>
+          </a:fontRef>
+        </p:style>
+        <p:txBody>
+          <a:bodyPr rtlCol="0" anchor="ctr"/>
+          <a:lstStyle/>
+          <a:p>
+            <a:pPr algn="ctr"/>
+            <a:r>
+              <a:rPr lang="en-US" altLang="zh-CN" sz="2000" dirty="0">
+                <a:solidFill>
+                  <a:schemeClr val="tx1"/>
+                </a:solidFill>
+                <a:latin typeface="+mn-ea"/>
+              </a:rPr>
+              <a:t>equals()</a:t>
+            </a:r>
+            <a:r>
+              <a:rPr lang="zh-CN" altLang="en-US" sz="2000" dirty="0">
+                <a:solidFill>
+                  <a:schemeClr val="tx1"/>
+                </a:solidFill>
+                <a:latin typeface="+mn-ea"/>
+              </a:rPr>
+              <a:t>相等</a:t>
+            </a:r>
+          </a:p>
+        </p:txBody>
+      </p:sp>
+      <p:cxnSp>
+        <p:nvCxnSpPr>
+          <p:cNvPr id="7" name="直接箭头连接符 6">
+            <a:extLst>
+              <a:ext uri="{FF2B5EF4-FFF2-40B4-BE49-F238E27FC236}">
+                <a16:creationId xmlns:a16="http://schemas.microsoft.com/office/drawing/2014/main" id="{94658CDD-B3DC-4617-ADC2-924CD3475FAC}"/>
+              </a:ext>
+            </a:extLst>
+          </p:cNvPr>
+          <p:cNvCxnSpPr>
+            <a:stCxn id="5" idx="6"/>
+            <a:endCxn id="3" idx="2"/>
+          </p:cNvCxnSpPr>
+          <p:nvPr/>
+        </p:nvCxnSpPr>
+        <p:spPr>
+          <a:xfrm>
+            <a:off x="3764845" y="1349022"/>
+            <a:ext cx="3251199" cy="0"/>
+          </a:xfrm>
+          <a:prstGeom prst="straightConnector1">
+            <a:avLst/>
+          </a:prstGeom>
+          <a:ln w="57150">
+            <a:solidFill>
+              <a:srgbClr val="0070C0"/>
+            </a:solidFill>
+            <a:tailEnd type="triangle"/>
+          </a:ln>
+        </p:spPr>
+        <p:style>
+          <a:lnRef idx="1">
+            <a:schemeClr val="accent1"/>
+          </a:lnRef>
+          <a:fillRef idx="0">
+            <a:schemeClr val="accent1"/>
+          </a:fillRef>
+          <a:effectRef idx="0">
+            <a:schemeClr val="accent1"/>
+          </a:effectRef>
+          <a:fontRef idx="minor">
+            <a:schemeClr val="tx1"/>
+          </a:fontRef>
+        </p:style>
+      </p:cxnSp>
+      <p:cxnSp>
+        <p:nvCxnSpPr>
+          <p:cNvPr id="8" name="直接箭头连接符 7">
+            <a:extLst>
+              <a:ext uri="{FF2B5EF4-FFF2-40B4-BE49-F238E27FC236}">
+                <a16:creationId xmlns:a16="http://schemas.microsoft.com/office/drawing/2014/main" id="{0B328433-544B-4DE4-8FCD-732BA9AE4D53}"/>
+              </a:ext>
+            </a:extLst>
+          </p:cNvPr>
+          <p:cNvCxnSpPr>
+            <a:cxnSpLocks/>
+            <a:stCxn id="3" idx="3"/>
+            <a:endCxn id="5" idx="5"/>
+          </p:cNvCxnSpPr>
+          <p:nvPr/>
+        </p:nvCxnSpPr>
+        <p:spPr>
+          <a:xfrm flipH="1">
+            <a:off x="3348234" y="1768100"/>
+            <a:ext cx="4084421" cy="0"/>
+          </a:xfrm>
+          <a:prstGeom prst="straightConnector1">
+            <a:avLst/>
+          </a:prstGeom>
+          <a:ln w="57150">
+            <a:solidFill>
+              <a:srgbClr val="00B050"/>
+            </a:solidFill>
+            <a:tailEnd type="triangle"/>
+          </a:ln>
+        </p:spPr>
+        <p:style>
+          <a:lnRef idx="1">
+            <a:schemeClr val="accent1"/>
+          </a:lnRef>
+          <a:fillRef idx="0">
+            <a:schemeClr val="accent1"/>
+          </a:fillRef>
+          <a:effectRef idx="0">
+            <a:schemeClr val="accent1"/>
+          </a:effectRef>
+          <a:fontRef idx="minor">
+            <a:schemeClr val="tx1"/>
+          </a:fontRef>
+        </p:style>
+      </p:cxnSp>
+      <p:cxnSp>
+        <p:nvCxnSpPr>
+          <p:cNvPr id="11" name="直接箭头连接符 10">
+            <a:extLst>
+              <a:ext uri="{FF2B5EF4-FFF2-40B4-BE49-F238E27FC236}">
+                <a16:creationId xmlns:a16="http://schemas.microsoft.com/office/drawing/2014/main" id="{978C01FF-F0B2-46EA-A168-6C1BD0396024}"/>
+              </a:ext>
+            </a:extLst>
+          </p:cNvPr>
+          <p:cNvCxnSpPr>
+            <a:cxnSpLocks/>
+            <a:stCxn id="3" idx="3"/>
+            <a:endCxn id="4" idx="7"/>
+          </p:cNvCxnSpPr>
+          <p:nvPr/>
+        </p:nvCxnSpPr>
+        <p:spPr>
+          <a:xfrm flipH="1">
+            <a:off x="3348234" y="1768100"/>
+            <a:ext cx="4084421" cy="2339665"/>
+          </a:xfrm>
+          <a:prstGeom prst="straightConnector1">
+            <a:avLst/>
+          </a:prstGeom>
+          <a:ln w="57150">
+            <a:solidFill>
+              <a:srgbClr val="00B050"/>
+            </a:solidFill>
+            <a:tailEnd type="triangle"/>
+          </a:ln>
+        </p:spPr>
+        <p:style>
+          <a:lnRef idx="1">
+            <a:schemeClr val="accent1"/>
+          </a:lnRef>
+          <a:fillRef idx="0">
+            <a:schemeClr val="accent1"/>
+          </a:fillRef>
+          <a:effectRef idx="0">
+            <a:schemeClr val="accent1"/>
+          </a:effectRef>
+          <a:fontRef idx="minor">
+            <a:schemeClr val="tx1"/>
+          </a:fontRef>
+        </p:style>
+      </p:cxnSp>
+      <p:cxnSp>
+        <p:nvCxnSpPr>
+          <p:cNvPr id="14" name="直接箭头连接符 13">
+            <a:extLst>
+              <a:ext uri="{FF2B5EF4-FFF2-40B4-BE49-F238E27FC236}">
+                <a16:creationId xmlns:a16="http://schemas.microsoft.com/office/drawing/2014/main" id="{3FE5E82E-717F-4A2E-A1E8-EE131503DD87}"/>
+              </a:ext>
+            </a:extLst>
+          </p:cNvPr>
+          <p:cNvCxnSpPr>
+            <a:cxnSpLocks/>
+            <a:stCxn id="2" idx="3"/>
+            <a:endCxn id="4" idx="5"/>
+          </p:cNvCxnSpPr>
+          <p:nvPr/>
+        </p:nvCxnSpPr>
+        <p:spPr>
+          <a:xfrm flipH="1">
+            <a:off x="3348234" y="4945921"/>
+            <a:ext cx="4138150" cy="1"/>
+          </a:xfrm>
+          <a:prstGeom prst="straightConnector1">
+            <a:avLst/>
+          </a:prstGeom>
+          <a:ln w="57150">
+            <a:solidFill>
+              <a:srgbClr val="FFC000"/>
+            </a:solidFill>
+            <a:tailEnd type="triangle"/>
+          </a:ln>
+        </p:spPr>
+        <p:style>
+          <a:lnRef idx="1">
+            <a:schemeClr val="accent1"/>
+          </a:lnRef>
+          <a:fillRef idx="0">
+            <a:schemeClr val="accent1"/>
+          </a:fillRef>
+          <a:effectRef idx="0">
+            <a:schemeClr val="accent1"/>
+          </a:effectRef>
+          <a:fontRef idx="minor">
+            <a:schemeClr val="tx1"/>
+          </a:fontRef>
+        </p:style>
+      </p:cxnSp>
+      <p:cxnSp>
+        <p:nvCxnSpPr>
+          <p:cNvPr id="18" name="直接箭头连接符 17">
+            <a:extLst>
+              <a:ext uri="{FF2B5EF4-FFF2-40B4-BE49-F238E27FC236}">
+                <a16:creationId xmlns:a16="http://schemas.microsoft.com/office/drawing/2014/main" id="{DAB53BE7-3467-4D1D-9A6D-16AA9E9FEDAD}"/>
+              </a:ext>
+            </a:extLst>
+          </p:cNvPr>
+          <p:cNvCxnSpPr>
+            <a:cxnSpLocks/>
+            <a:stCxn id="4" idx="6"/>
+            <a:endCxn id="2" idx="2"/>
+          </p:cNvCxnSpPr>
+          <p:nvPr/>
+        </p:nvCxnSpPr>
+        <p:spPr>
+          <a:xfrm flipV="1">
+            <a:off x="3764845" y="4526843"/>
+            <a:ext cx="3251198" cy="1"/>
+          </a:xfrm>
+          <a:prstGeom prst="straightConnector1">
+            <a:avLst/>
+          </a:prstGeom>
+          <a:ln w="57150">
+            <a:solidFill>
+              <a:srgbClr val="FF0000"/>
+            </a:solidFill>
+            <a:tailEnd type="triangle"/>
+          </a:ln>
+        </p:spPr>
+        <p:style>
+          <a:lnRef idx="1">
+            <a:schemeClr val="accent1"/>
+          </a:lnRef>
+          <a:fillRef idx="0">
+            <a:schemeClr val="accent1"/>
+          </a:fillRef>
+          <a:effectRef idx="0">
+            <a:schemeClr val="accent1"/>
+          </a:effectRef>
+          <a:fontRef idx="minor">
+            <a:schemeClr val="tx1"/>
+          </a:fontRef>
+        </p:style>
+      </p:cxnSp>
+      <p:cxnSp>
+        <p:nvCxnSpPr>
+          <p:cNvPr id="21" name="直接箭头连接符 20">
+            <a:extLst>
+              <a:ext uri="{FF2B5EF4-FFF2-40B4-BE49-F238E27FC236}">
+                <a16:creationId xmlns:a16="http://schemas.microsoft.com/office/drawing/2014/main" id="{B5E005F6-1232-4D9C-AD5B-DDB4D17419E5}"/>
+              </a:ext>
+            </a:extLst>
+          </p:cNvPr>
+          <p:cNvCxnSpPr>
+            <a:cxnSpLocks/>
+            <a:stCxn id="4" idx="6"/>
+            <a:endCxn id="3" idx="4"/>
+          </p:cNvCxnSpPr>
+          <p:nvPr/>
+        </p:nvCxnSpPr>
+        <p:spPr>
+          <a:xfrm flipV="1">
+            <a:off x="3764845" y="1941688"/>
+            <a:ext cx="4673599" cy="2585156"/>
+          </a:xfrm>
+          <a:prstGeom prst="straightConnector1">
+            <a:avLst/>
+          </a:prstGeom>
+          <a:ln w="57150">
+            <a:solidFill>
+              <a:srgbClr val="FF0000"/>
+            </a:solidFill>
+            <a:tailEnd type="triangle"/>
+          </a:ln>
+        </p:spPr>
+        <p:style>
+          <a:lnRef idx="1">
+            <a:schemeClr val="accent1"/>
+          </a:lnRef>
+          <a:fillRef idx="0">
+            <a:schemeClr val="accent1"/>
+          </a:fillRef>
+          <a:effectRef idx="0">
+            <a:schemeClr val="accent1"/>
+          </a:effectRef>
+          <a:fontRef idx="minor">
+            <a:schemeClr val="tx1"/>
+          </a:fontRef>
+        </p:style>
+      </p:cxnSp>
+      <p:cxnSp>
+        <p:nvCxnSpPr>
+          <p:cNvPr id="25" name="直接连接符 24">
+            <a:extLst>
+              <a:ext uri="{FF2B5EF4-FFF2-40B4-BE49-F238E27FC236}">
+                <a16:creationId xmlns:a16="http://schemas.microsoft.com/office/drawing/2014/main" id="{49171329-CBCF-456C-8DFE-AFB96D5C30E5}"/>
+              </a:ext>
+            </a:extLst>
+          </p:cNvPr>
+          <p:cNvCxnSpPr/>
+          <p:nvPr/>
+        </p:nvCxnSpPr>
+        <p:spPr>
+          <a:xfrm>
+            <a:off x="6457244" y="462844"/>
+            <a:ext cx="0" cy="5339645"/>
+          </a:xfrm>
+          <a:prstGeom prst="line">
+            <a:avLst/>
+          </a:prstGeom>
+          <a:ln w="76200">
+            <a:solidFill>
+              <a:schemeClr val="tx1">
+                <a:lumMod val="75000"/>
+                <a:lumOff val="25000"/>
+              </a:schemeClr>
+            </a:solidFill>
+          </a:ln>
+        </p:spPr>
+        <p:style>
+          <a:lnRef idx="1">
+            <a:schemeClr val="accent1"/>
+          </a:lnRef>
+          <a:fillRef idx="0">
+            <a:schemeClr val="accent1"/>
+          </a:fillRef>
+          <a:effectRef idx="0">
+            <a:schemeClr val="accent1"/>
+          </a:effectRef>
+          <a:fontRef idx="minor">
+            <a:schemeClr val="tx1"/>
+          </a:fontRef>
+        </p:style>
+      </p:cxnSp>
     </p:spTree>
     <p:extLst>
       <p:ext uri="{BB962C8B-B14F-4D97-AF65-F5344CB8AC3E}">
@@ -15236,48 +15203,6 @@
           <a:chExt cx="0" cy="0"/>
         </a:xfrm>
       </p:grpSpPr>
-    </p:spTree>
-    <p:extLst>
-      <p:ext uri="{BB962C8B-B14F-4D97-AF65-F5344CB8AC3E}">
-        <p14:creationId xmlns:p14="http://schemas.microsoft.com/office/powerpoint/2010/main" val="1908787579"/>
-      </p:ext>
-    </p:extLst>
-  </p:cSld>
-  <p:clrMapOvr>
-    <a:masterClrMapping/>
-  </p:clrMapOvr>
-  <mc:AlternateContent xmlns:mc="http://schemas.openxmlformats.org/markup-compatibility/2006" xmlns:p14="http://schemas.microsoft.com/office/powerpoint/2010/main">
-    <mc:Choice Requires="p14">
-      <p:transition spd="med" p14:dur="700">
-        <p:fade/>
-      </p:transition>
-    </mc:Choice>
-    <mc:Fallback xmlns="">
-      <p:transition spd="med">
-        <p:fade/>
-      </p:transition>
-    </mc:Fallback>
-  </mc:AlternateContent>
-</p:sld>
-</file>
-
-<file path=ppt/slides/slide29.xml><?xml version="1.0" encoding="utf-8"?>
-<p:sld xmlns:a="http://schemas.openxmlformats.org/drawingml/2006/main" xmlns:r="http://schemas.openxmlformats.org/officeDocument/2006/relationships" xmlns:p="http://schemas.openxmlformats.org/presentationml/2006/main">
-  <p:cSld>
-    <p:spTree>
-      <p:nvGrpSpPr>
-        <p:cNvPr id="1" name=""/>
-        <p:cNvGrpSpPr/>
-        <p:nvPr/>
-      </p:nvGrpSpPr>
-      <p:grpSpPr>
-        <a:xfrm>
-          <a:off x="0" y="0"/>
-          <a:ext cx="0" cy="0"/>
-          <a:chOff x="0" y="0"/>
-          <a:chExt cx="0" cy="0"/>
-        </a:xfrm>
-      </p:grpSpPr>
       <p:sp>
         <p:nvSpPr>
           <p:cNvPr id="5" name="矩形 4"/>
@@ -15313,7 +15238,7 @@
                 <a:latin typeface="微软雅黑" panose="020B0503020204020204" pitchFamily="34" charset="-122"/>
                 <a:ea typeface="微软雅黑" panose="020B0503020204020204" pitchFamily="34" charset="-122"/>
               </a:rPr>
-              <a:t>第五部分</a:t>
+              <a:t>第三部分</a:t>
             </a:r>
           </a:p>
         </p:txBody>
@@ -15447,161 +15372,7 @@
 </p:sld>
 </file>
 
-<file path=ppt/slides/slide3.xml><?xml version="1.0" encoding="utf-8"?>
-<p:sld xmlns:a="http://schemas.openxmlformats.org/drawingml/2006/main" xmlns:r="http://schemas.openxmlformats.org/officeDocument/2006/relationships" xmlns:p="http://schemas.openxmlformats.org/presentationml/2006/main">
-  <p:cSld>
-    <p:spTree>
-      <p:nvGrpSpPr>
-        <p:cNvPr id="1" name=""/>
-        <p:cNvGrpSpPr/>
-        <p:nvPr/>
-      </p:nvGrpSpPr>
-      <p:grpSpPr>
-        <a:xfrm>
-          <a:off x="0" y="0"/>
-          <a:ext cx="0" cy="0"/>
-          <a:chOff x="0" y="0"/>
-          <a:chExt cx="0" cy="0"/>
-        </a:xfrm>
-      </p:grpSpPr>
-      <p:sp>
-        <p:nvSpPr>
-          <p:cNvPr id="7" name="矩形 6"/>
-          <p:cNvSpPr/>
-          <p:nvPr/>
-        </p:nvSpPr>
-        <p:spPr>
-          <a:xfrm>
-            <a:off x="4516081" y="2517577"/>
-            <a:ext cx="3159840" cy="923330"/>
-          </a:xfrm>
-          <a:prstGeom prst="rect">
-            <a:avLst/>
-          </a:prstGeom>
-        </p:spPr>
-        <p:txBody>
-          <a:bodyPr wrap="none">
-            <a:spAutoFit/>
-          </a:bodyPr>
-          <a:lstStyle/>
-          <a:p>
-            <a:pPr algn="ctr">
-              <a:defRPr/>
-            </a:pPr>
-            <a:r>
-              <a:rPr lang="zh-CN" altLang="en-US" sz="5400" b="1" spc="400" dirty="0">
-                <a:ln w="19050">
-                  <a:noFill/>
-                </a:ln>
-                <a:solidFill>
-                  <a:srgbClr val="0B3A8C"/>
-                </a:solidFill>
-                <a:latin typeface="微软雅黑" panose="020B0503020204020204" pitchFamily="34" charset="-122"/>
-                <a:ea typeface="微软雅黑" panose="020B0503020204020204" pitchFamily="34" charset="-122"/>
-              </a:rPr>
-              <a:t>第一部分</a:t>
-            </a:r>
-          </a:p>
-        </p:txBody>
-      </p:sp>
-      <p:sp>
-        <p:nvSpPr>
-          <p:cNvPr id="8" name="矩形 7"/>
-          <p:cNvSpPr/>
-          <p:nvPr/>
-        </p:nvSpPr>
-        <p:spPr>
-          <a:xfrm>
-            <a:off x="4208310" y="3386315"/>
-            <a:ext cx="3775393" cy="646331"/>
-          </a:xfrm>
-          <a:prstGeom prst="rect">
-            <a:avLst/>
-          </a:prstGeom>
-        </p:spPr>
-        <p:txBody>
-          <a:bodyPr wrap="none">
-            <a:spAutoFit/>
-          </a:bodyPr>
-          <a:lstStyle/>
-          <a:p>
-            <a:pPr algn="ctr">
-              <a:defRPr/>
-            </a:pPr>
-            <a:r>
-              <a:rPr lang="zh-CN" altLang="en-US" sz="3600" spc="400" dirty="0">
-                <a:ln w="19050">
-                  <a:noFill/>
-                </a:ln>
-                <a:solidFill>
-                  <a:srgbClr val="0B3A8C"/>
-                </a:solidFill>
-                <a:latin typeface="微软雅黑" panose="020B0503020204020204" pitchFamily="34" charset="-122"/>
-                <a:ea typeface="微软雅黑" panose="020B0503020204020204" pitchFamily="34" charset="-122"/>
-              </a:rPr>
-              <a:t>创建和销毁对象</a:t>
-            </a:r>
-          </a:p>
-        </p:txBody>
-      </p:sp>
-      <p:sp>
-        <p:nvSpPr>
-          <p:cNvPr id="9" name="矩形 8"/>
-          <p:cNvSpPr/>
-          <p:nvPr/>
-        </p:nvSpPr>
-        <p:spPr>
-          <a:xfrm>
-            <a:off x="3400390" y="4036631"/>
-            <a:ext cx="5391219" cy="307777"/>
-          </a:xfrm>
-          <a:prstGeom prst="rect">
-            <a:avLst/>
-          </a:prstGeom>
-        </p:spPr>
-        <p:txBody>
-          <a:bodyPr wrap="none">
-            <a:spAutoFit/>
-          </a:bodyPr>
-          <a:lstStyle/>
-          <a:p>
-            <a:r>
-              <a:rPr lang="zh-CN" altLang="en-US" sz="1400" dirty="0">
-                <a:solidFill>
-                  <a:srgbClr val="0B3A8C"/>
-                </a:solidFill>
-                <a:latin typeface="微软雅黑" panose="020B0503020204020204" pitchFamily="34" charset="-122"/>
-                <a:ea typeface="微软雅黑" panose="020B0503020204020204" pitchFamily="34" charset="-122"/>
-              </a:rPr>
-              <a:t>静态工厂方法，构建器，单例模式实现，避免创建不必要的对象等</a:t>
-            </a:r>
-          </a:p>
-        </p:txBody>
-      </p:sp>
-    </p:spTree>
-    <p:custDataLst>
-      <p:tags r:id="rId1"/>
-    </p:custDataLst>
-  </p:cSld>
-  <p:clrMapOvr>
-    <a:masterClrMapping/>
-  </p:clrMapOvr>
-  <mc:AlternateContent xmlns:mc="http://schemas.openxmlformats.org/markup-compatibility/2006" xmlns:p14="http://schemas.microsoft.com/office/powerpoint/2010/main">
-    <mc:Choice Requires="p14">
-      <p:transition spd="med" p14:dur="700">
-        <p:fade/>
-      </p:transition>
-    </mc:Choice>
-    <mc:Fallback xmlns="">
-      <p:transition spd="med">
-        <p:fade/>
-      </p:transition>
-    </mc:Fallback>
-  </mc:AlternateContent>
-</p:sld>
-</file>
-
-<file path=ppt/slides/slide30.xml><?xml version="1.0" encoding="utf-8"?>
+<file path=ppt/slides/slide29.xml><?xml version="1.0" encoding="utf-8"?>
 <p:sld xmlns:a="http://schemas.openxmlformats.org/drawingml/2006/main" xmlns:r="http://schemas.openxmlformats.org/officeDocument/2006/relationships" xmlns:p="http://schemas.openxmlformats.org/presentationml/2006/main">
   <p:cSld>
     <p:spTree>
@@ -15938,6 +15709,397 @@
         <p14:creationId xmlns:p14="http://schemas.microsoft.com/office/powerpoint/2010/main" val="1671304920"/>
       </p:ext>
     </p:extLst>
+  </p:cSld>
+  <p:clrMapOvr>
+    <a:masterClrMapping/>
+  </p:clrMapOvr>
+  <mc:AlternateContent xmlns:mc="http://schemas.openxmlformats.org/markup-compatibility/2006" xmlns:p14="http://schemas.microsoft.com/office/powerpoint/2010/main">
+    <mc:Choice Requires="p14">
+      <p:transition spd="med" p14:dur="700">
+        <p:fade/>
+      </p:transition>
+    </mc:Choice>
+    <mc:Fallback xmlns="">
+      <p:transition spd="med">
+        <p:fade/>
+      </p:transition>
+    </mc:Fallback>
+  </mc:AlternateContent>
+</p:sld>
+</file>
+
+<file path=ppt/slides/slide3.xml><?xml version="1.0" encoding="utf-8"?>
+<p:sld xmlns:a="http://schemas.openxmlformats.org/drawingml/2006/main" xmlns:r="http://schemas.openxmlformats.org/officeDocument/2006/relationships" xmlns:p="http://schemas.openxmlformats.org/presentationml/2006/main">
+  <p:cSld>
+    <p:spTree>
+      <p:nvGrpSpPr>
+        <p:cNvPr id="1" name=""/>
+        <p:cNvGrpSpPr/>
+        <p:nvPr/>
+      </p:nvGrpSpPr>
+      <p:grpSpPr>
+        <a:xfrm>
+          <a:off x="0" y="0"/>
+          <a:ext cx="0" cy="0"/>
+          <a:chOff x="0" y="0"/>
+          <a:chExt cx="0" cy="0"/>
+        </a:xfrm>
+      </p:grpSpPr>
+      <p:sp>
+        <p:nvSpPr>
+          <p:cNvPr id="7" name="矩形 6"/>
+          <p:cNvSpPr/>
+          <p:nvPr/>
+        </p:nvSpPr>
+        <p:spPr>
+          <a:xfrm>
+            <a:off x="4516081" y="2517577"/>
+            <a:ext cx="3159840" cy="923330"/>
+          </a:xfrm>
+          <a:prstGeom prst="rect">
+            <a:avLst/>
+          </a:prstGeom>
+        </p:spPr>
+        <p:txBody>
+          <a:bodyPr wrap="none">
+            <a:spAutoFit/>
+          </a:bodyPr>
+          <a:lstStyle/>
+          <a:p>
+            <a:pPr algn="ctr">
+              <a:defRPr/>
+            </a:pPr>
+            <a:r>
+              <a:rPr lang="zh-CN" altLang="en-US" sz="5400" b="1" spc="400" dirty="0">
+                <a:ln w="19050">
+                  <a:noFill/>
+                </a:ln>
+                <a:solidFill>
+                  <a:srgbClr val="0B3A8C"/>
+                </a:solidFill>
+                <a:latin typeface="微软雅黑" panose="020B0503020204020204" pitchFamily="34" charset="-122"/>
+                <a:ea typeface="微软雅黑" panose="020B0503020204020204" pitchFamily="34" charset="-122"/>
+              </a:rPr>
+              <a:t>第一部分</a:t>
+            </a:r>
+          </a:p>
+        </p:txBody>
+      </p:sp>
+      <p:sp>
+        <p:nvSpPr>
+          <p:cNvPr id="8" name="矩形 7"/>
+          <p:cNvSpPr/>
+          <p:nvPr/>
+        </p:nvSpPr>
+        <p:spPr>
+          <a:xfrm>
+            <a:off x="4208310" y="3386315"/>
+            <a:ext cx="3775393" cy="646331"/>
+          </a:xfrm>
+          <a:prstGeom prst="rect">
+            <a:avLst/>
+          </a:prstGeom>
+        </p:spPr>
+        <p:txBody>
+          <a:bodyPr wrap="none">
+            <a:spAutoFit/>
+          </a:bodyPr>
+          <a:lstStyle/>
+          <a:p>
+            <a:pPr algn="ctr">
+              <a:defRPr/>
+            </a:pPr>
+            <a:r>
+              <a:rPr lang="zh-CN" altLang="en-US" sz="3600" spc="400" dirty="0">
+                <a:ln w="19050">
+                  <a:noFill/>
+                </a:ln>
+                <a:solidFill>
+                  <a:srgbClr val="0B3A8C"/>
+                </a:solidFill>
+                <a:latin typeface="微软雅黑" panose="020B0503020204020204" pitchFamily="34" charset="-122"/>
+                <a:ea typeface="微软雅黑" panose="020B0503020204020204" pitchFamily="34" charset="-122"/>
+              </a:rPr>
+              <a:t>创建和销毁对象</a:t>
+            </a:r>
+          </a:p>
+        </p:txBody>
+      </p:sp>
+      <p:sp>
+        <p:nvSpPr>
+          <p:cNvPr id="9" name="矩形 8"/>
+          <p:cNvSpPr/>
+          <p:nvPr/>
+        </p:nvSpPr>
+        <p:spPr>
+          <a:xfrm>
+            <a:off x="3400390" y="4036631"/>
+            <a:ext cx="5391219" cy="307777"/>
+          </a:xfrm>
+          <a:prstGeom prst="rect">
+            <a:avLst/>
+          </a:prstGeom>
+        </p:spPr>
+        <p:txBody>
+          <a:bodyPr wrap="none">
+            <a:spAutoFit/>
+          </a:bodyPr>
+          <a:lstStyle/>
+          <a:p>
+            <a:r>
+              <a:rPr lang="zh-CN" altLang="en-US" sz="1400" dirty="0">
+                <a:solidFill>
+                  <a:srgbClr val="0B3A8C"/>
+                </a:solidFill>
+                <a:latin typeface="微软雅黑" panose="020B0503020204020204" pitchFamily="34" charset="-122"/>
+                <a:ea typeface="微软雅黑" panose="020B0503020204020204" pitchFamily="34" charset="-122"/>
+              </a:rPr>
+              <a:t>静态工厂方法，构建器，单例模式实现，避免创建不必要的对象等</a:t>
+            </a:r>
+          </a:p>
+        </p:txBody>
+      </p:sp>
+    </p:spTree>
+    <p:custDataLst>
+      <p:tags r:id="rId1"/>
+    </p:custDataLst>
+  </p:cSld>
+  <p:clrMapOvr>
+    <a:masterClrMapping/>
+  </p:clrMapOvr>
+  <mc:AlternateContent xmlns:mc="http://schemas.openxmlformats.org/markup-compatibility/2006" xmlns:p14="http://schemas.microsoft.com/office/powerpoint/2010/main">
+    <mc:Choice Requires="p14">
+      <p:transition spd="med" p14:dur="700">
+        <p:fade/>
+      </p:transition>
+    </mc:Choice>
+    <mc:Fallback xmlns="">
+      <p:transition spd="med">
+        <p:fade/>
+      </p:transition>
+    </mc:Fallback>
+  </mc:AlternateContent>
+</p:sld>
+</file>
+
+<file path=ppt/slides/slide30.xml><?xml version="1.0" encoding="utf-8"?>
+<p:sld xmlns:a="http://schemas.openxmlformats.org/drawingml/2006/main" xmlns:r="http://schemas.openxmlformats.org/officeDocument/2006/relationships" xmlns:p="http://schemas.openxmlformats.org/presentationml/2006/main">
+  <p:cSld>
+    <p:spTree>
+      <p:nvGrpSpPr>
+        <p:cNvPr id="1" name=""/>
+        <p:cNvGrpSpPr/>
+        <p:nvPr/>
+      </p:nvGrpSpPr>
+      <p:grpSpPr>
+        <a:xfrm>
+          <a:off x="0" y="0"/>
+          <a:ext cx="0" cy="0"/>
+          <a:chOff x="0" y="0"/>
+          <a:chExt cx="0" cy="0"/>
+        </a:xfrm>
+      </p:grpSpPr>
+      <p:sp>
+        <p:nvSpPr>
+          <p:cNvPr id="8" name="矩形 7">
+            <a:extLst>
+              <a:ext uri="{FF2B5EF4-FFF2-40B4-BE49-F238E27FC236}">
+                <a16:creationId xmlns:a16="http://schemas.microsoft.com/office/drawing/2014/main" id="{2481455C-24D4-4463-AC49-4A79809DE85B}"/>
+              </a:ext>
+            </a:extLst>
+          </p:cNvPr>
+          <p:cNvSpPr/>
+          <p:nvPr/>
+        </p:nvSpPr>
+        <p:spPr>
+          <a:xfrm>
+            <a:off x="0" y="719525"/>
+            <a:ext cx="3117954" cy="404737"/>
+          </a:xfrm>
+          <a:prstGeom prst="rect">
+            <a:avLst/>
+          </a:prstGeom>
+          <a:solidFill>
+            <a:schemeClr val="bg1"/>
+          </a:solidFill>
+          <a:ln>
+            <a:solidFill>
+              <a:schemeClr val="bg1"/>
+            </a:solidFill>
+          </a:ln>
+        </p:spPr>
+        <p:style>
+          <a:lnRef idx="2">
+            <a:schemeClr val="accent1">
+              <a:shade val="50000"/>
+            </a:schemeClr>
+          </a:lnRef>
+          <a:fillRef idx="1">
+            <a:schemeClr val="accent1"/>
+          </a:fillRef>
+          <a:effectRef idx="0">
+            <a:schemeClr val="accent1"/>
+          </a:effectRef>
+          <a:fontRef idx="minor">
+            <a:schemeClr val="lt1"/>
+          </a:fontRef>
+        </p:style>
+        <p:txBody>
+          <a:bodyPr rtlCol="0" anchor="ctr"/>
+          <a:lstStyle/>
+          <a:p>
+            <a:pPr marR="0" lvl="0" algn="l" defTabSz="914400" rtl="0" eaLnBrk="0" fontAlgn="base" latinLnBrk="0" hangingPunct="0">
+              <a:lnSpc>
+                <a:spcPct val="100000"/>
+              </a:lnSpc>
+              <a:spcBef>
+                <a:spcPct val="0"/>
+              </a:spcBef>
+              <a:spcAft>
+                <a:spcPct val="0"/>
+              </a:spcAft>
+              <a:buClrTx/>
+              <a:buSzTx/>
+              <a:tabLst/>
+            </a:pPr>
+            <a:r>
+              <a:rPr lang="zh-CN" altLang="en-US" sz="4000" dirty="0">
+                <a:solidFill>
+                  <a:srgbClr val="0B3A8C"/>
+                </a:solidFill>
+                <a:latin typeface="微软雅黑" panose="020B0503020204020204" pitchFamily="34" charset="-122"/>
+                <a:ea typeface="微软雅黑" panose="020B0503020204020204" pitchFamily="34" charset="-122"/>
+              </a:rPr>
+              <a:t>常用的命令</a:t>
+            </a:r>
+            <a:endParaRPr lang="zh-CN" altLang="zh-CN" sz="4000" dirty="0">
+              <a:solidFill>
+                <a:srgbClr val="0B3A8C"/>
+              </a:solidFill>
+              <a:latin typeface="微软雅黑" panose="020B0503020204020204" pitchFamily="34" charset="-122"/>
+              <a:ea typeface="微软雅黑" panose="020B0503020204020204" pitchFamily="34" charset="-122"/>
+            </a:endParaRPr>
+          </a:p>
+          <a:p>
+            <a:pPr algn="ctr"/>
+            <a:endParaRPr lang="zh-CN" altLang="en-US" sz="4000" dirty="0"/>
+          </a:p>
+        </p:txBody>
+      </p:sp>
+      <p:sp>
+        <p:nvSpPr>
+          <p:cNvPr id="14" name="矩形 13">
+            <a:extLst>
+              <a:ext uri="{FF2B5EF4-FFF2-40B4-BE49-F238E27FC236}">
+                <a16:creationId xmlns:a16="http://schemas.microsoft.com/office/drawing/2014/main" id="{576C70BA-F4A0-4B77-957E-26165C2ED946}"/>
+              </a:ext>
+            </a:extLst>
+          </p:cNvPr>
+          <p:cNvSpPr/>
+          <p:nvPr/>
+        </p:nvSpPr>
+        <p:spPr>
+          <a:xfrm>
+            <a:off x="0" y="921893"/>
+            <a:ext cx="3117954" cy="404737"/>
+          </a:xfrm>
+          <a:prstGeom prst="rect">
+            <a:avLst/>
+          </a:prstGeom>
+          <a:solidFill>
+            <a:schemeClr val="bg1"/>
+          </a:solidFill>
+          <a:ln>
+            <a:solidFill>
+              <a:schemeClr val="bg1"/>
+            </a:solidFill>
+          </a:ln>
+        </p:spPr>
+        <p:style>
+          <a:lnRef idx="2">
+            <a:schemeClr val="accent1">
+              <a:shade val="50000"/>
+            </a:schemeClr>
+          </a:lnRef>
+          <a:fillRef idx="1">
+            <a:schemeClr val="accent1"/>
+          </a:fillRef>
+          <a:effectRef idx="0">
+            <a:schemeClr val="accent1"/>
+          </a:effectRef>
+          <a:fontRef idx="minor">
+            <a:schemeClr val="lt1"/>
+          </a:fontRef>
+        </p:style>
+        <p:txBody>
+          <a:bodyPr rtlCol="0" anchor="ctr"/>
+          <a:lstStyle/>
+          <a:p>
+            <a:pPr algn="ctr"/>
+            <a:r>
+              <a:rPr lang="en-US" altLang="zh-CN" sz="4000" dirty="0">
+                <a:solidFill>
+                  <a:schemeClr val="tx1"/>
+                </a:solidFill>
+              </a:rPr>
+              <a:t>dashboard  </a:t>
+            </a:r>
+            <a:endParaRPr lang="zh-CN" altLang="en-US" sz="4000" dirty="0">
+              <a:solidFill>
+                <a:schemeClr val="tx1"/>
+              </a:solidFill>
+            </a:endParaRPr>
+          </a:p>
+        </p:txBody>
+      </p:sp>
+      <p:pic>
+        <p:nvPicPr>
+          <p:cNvPr id="2056" name="Picture 8" descr="dashboard">
+            <a:extLst>
+              <a:ext uri="{FF2B5EF4-FFF2-40B4-BE49-F238E27FC236}">
+                <a16:creationId xmlns:a16="http://schemas.microsoft.com/office/drawing/2014/main" id="{D3E956B8-2660-42CC-BFC6-D4B17F3CCF89}"/>
+              </a:ext>
+            </a:extLst>
+          </p:cNvPr>
+          <p:cNvPicPr>
+            <a:picLocks noChangeAspect="1" noChangeArrowheads="1"/>
+          </p:cNvPicPr>
+          <p:nvPr/>
+        </p:nvPicPr>
+        <p:blipFill>
+          <a:blip r:embed="rId3">
+            <a:extLst>
+              <a:ext uri="{28A0092B-C50C-407E-A947-70E740481C1C}">
+                <a14:useLocalDpi xmlns:a14="http://schemas.microsoft.com/office/drawing/2010/main" val="0"/>
+              </a:ext>
+            </a:extLst>
+          </a:blip>
+          <a:srcRect/>
+          <a:stretch>
+            <a:fillRect/>
+          </a:stretch>
+        </p:blipFill>
+        <p:spPr bwMode="auto">
+          <a:xfrm>
+            <a:off x="419128" y="1326630"/>
+            <a:ext cx="8664912" cy="5362043"/>
+          </a:xfrm>
+          <a:prstGeom prst="rect">
+            <a:avLst/>
+          </a:prstGeom>
+          <a:noFill/>
+          <a:extLst>
+            <a:ext uri="{909E8E84-426E-40DD-AFC4-6F175D3DCCD1}">
+              <a14:hiddenFill xmlns:a14="http://schemas.microsoft.com/office/drawing/2010/main">
+                <a:solidFill>
+                  <a:srgbClr val="FFFFFF"/>
+                </a:solidFill>
+              </a14:hiddenFill>
+            </a:ext>
+          </a:extLst>
+        </p:spPr>
+      </p:pic>
+    </p:spTree>
   </p:cSld>
   <p:clrMapOvr>
     <a:masterClrMapping/>
@@ -16075,243 +16237,6 @@
         </p:nvSpPr>
         <p:spPr>
           <a:xfrm>
-            <a:off x="0" y="921893"/>
-            <a:ext cx="3117954" cy="404737"/>
-          </a:xfrm>
-          <a:prstGeom prst="rect">
-            <a:avLst/>
-          </a:prstGeom>
-          <a:solidFill>
-            <a:schemeClr val="bg1"/>
-          </a:solidFill>
-          <a:ln>
-            <a:solidFill>
-              <a:schemeClr val="bg1"/>
-            </a:solidFill>
-          </a:ln>
-        </p:spPr>
-        <p:style>
-          <a:lnRef idx="2">
-            <a:schemeClr val="accent1">
-              <a:shade val="50000"/>
-            </a:schemeClr>
-          </a:lnRef>
-          <a:fillRef idx="1">
-            <a:schemeClr val="accent1"/>
-          </a:fillRef>
-          <a:effectRef idx="0">
-            <a:schemeClr val="accent1"/>
-          </a:effectRef>
-          <a:fontRef idx="minor">
-            <a:schemeClr val="lt1"/>
-          </a:fontRef>
-        </p:style>
-        <p:txBody>
-          <a:bodyPr rtlCol="0" anchor="ctr"/>
-          <a:lstStyle/>
-          <a:p>
-            <a:pPr algn="ctr"/>
-            <a:r>
-              <a:rPr lang="en-US" altLang="zh-CN" sz="4000" dirty="0">
-                <a:solidFill>
-                  <a:schemeClr val="tx1"/>
-                </a:solidFill>
-              </a:rPr>
-              <a:t>dashboard  </a:t>
-            </a:r>
-            <a:endParaRPr lang="zh-CN" altLang="en-US" sz="4000" dirty="0">
-              <a:solidFill>
-                <a:schemeClr val="tx1"/>
-              </a:solidFill>
-            </a:endParaRPr>
-          </a:p>
-        </p:txBody>
-      </p:sp>
-      <p:pic>
-        <p:nvPicPr>
-          <p:cNvPr id="2056" name="Picture 8" descr="dashboard">
-            <a:extLst>
-              <a:ext uri="{FF2B5EF4-FFF2-40B4-BE49-F238E27FC236}">
-                <a16:creationId xmlns:a16="http://schemas.microsoft.com/office/drawing/2014/main" id="{D3E956B8-2660-42CC-BFC6-D4B17F3CCF89}"/>
-              </a:ext>
-            </a:extLst>
-          </p:cNvPr>
-          <p:cNvPicPr>
-            <a:picLocks noChangeAspect="1" noChangeArrowheads="1"/>
-          </p:cNvPicPr>
-          <p:nvPr/>
-        </p:nvPicPr>
-        <p:blipFill>
-          <a:blip r:embed="rId3">
-            <a:extLst>
-              <a:ext uri="{28A0092B-C50C-407E-A947-70E740481C1C}">
-                <a14:useLocalDpi xmlns:a14="http://schemas.microsoft.com/office/drawing/2010/main" val="0"/>
-              </a:ext>
-            </a:extLst>
-          </a:blip>
-          <a:srcRect/>
-          <a:stretch>
-            <a:fillRect/>
-          </a:stretch>
-        </p:blipFill>
-        <p:spPr bwMode="auto">
-          <a:xfrm>
-            <a:off x="419128" y="1326630"/>
-            <a:ext cx="8664912" cy="5362043"/>
-          </a:xfrm>
-          <a:prstGeom prst="rect">
-            <a:avLst/>
-          </a:prstGeom>
-          <a:noFill/>
-          <a:extLst>
-            <a:ext uri="{909E8E84-426E-40DD-AFC4-6F175D3DCCD1}">
-              <a14:hiddenFill xmlns:a14="http://schemas.microsoft.com/office/drawing/2010/main">
-                <a:solidFill>
-                  <a:srgbClr val="FFFFFF"/>
-                </a:solidFill>
-              </a14:hiddenFill>
-            </a:ext>
-          </a:extLst>
-        </p:spPr>
-      </p:pic>
-    </p:spTree>
-  </p:cSld>
-  <p:clrMapOvr>
-    <a:masterClrMapping/>
-  </p:clrMapOvr>
-  <mc:AlternateContent xmlns:mc="http://schemas.openxmlformats.org/markup-compatibility/2006" xmlns:p14="http://schemas.microsoft.com/office/powerpoint/2010/main">
-    <mc:Choice Requires="p14">
-      <p:transition spd="med" p14:dur="700">
-        <p:fade/>
-      </p:transition>
-    </mc:Choice>
-    <mc:Fallback xmlns="">
-      <p:transition spd="med">
-        <p:fade/>
-      </p:transition>
-    </mc:Fallback>
-  </mc:AlternateContent>
-</p:sld>
-</file>
-
-<file path=ppt/slides/slide32.xml><?xml version="1.0" encoding="utf-8"?>
-<p:sld xmlns:a="http://schemas.openxmlformats.org/drawingml/2006/main" xmlns:r="http://schemas.openxmlformats.org/officeDocument/2006/relationships" xmlns:p="http://schemas.openxmlformats.org/presentationml/2006/main">
-  <p:cSld>
-    <p:spTree>
-      <p:nvGrpSpPr>
-        <p:cNvPr id="1" name=""/>
-        <p:cNvGrpSpPr/>
-        <p:nvPr/>
-      </p:nvGrpSpPr>
-      <p:grpSpPr>
-        <a:xfrm>
-          <a:off x="0" y="0"/>
-          <a:ext cx="0" cy="0"/>
-          <a:chOff x="0" y="0"/>
-          <a:chExt cx="0" cy="0"/>
-        </a:xfrm>
-      </p:grpSpPr>
-      <p:sp>
-        <p:nvSpPr>
-          <p:cNvPr id="8" name="矩形 7">
-            <a:extLst>
-              <a:ext uri="{FF2B5EF4-FFF2-40B4-BE49-F238E27FC236}">
-                <a16:creationId xmlns:a16="http://schemas.microsoft.com/office/drawing/2014/main" id="{2481455C-24D4-4463-AC49-4A79809DE85B}"/>
-              </a:ext>
-            </a:extLst>
-          </p:cNvPr>
-          <p:cNvSpPr/>
-          <p:nvPr/>
-        </p:nvSpPr>
-        <p:spPr>
-          <a:xfrm>
-            <a:off x="0" y="719525"/>
-            <a:ext cx="3117954" cy="404737"/>
-          </a:xfrm>
-          <a:prstGeom prst="rect">
-            <a:avLst/>
-          </a:prstGeom>
-          <a:solidFill>
-            <a:schemeClr val="bg1"/>
-          </a:solidFill>
-          <a:ln>
-            <a:solidFill>
-              <a:schemeClr val="bg1"/>
-            </a:solidFill>
-          </a:ln>
-        </p:spPr>
-        <p:style>
-          <a:lnRef idx="2">
-            <a:schemeClr val="accent1">
-              <a:shade val="50000"/>
-            </a:schemeClr>
-          </a:lnRef>
-          <a:fillRef idx="1">
-            <a:schemeClr val="accent1"/>
-          </a:fillRef>
-          <a:effectRef idx="0">
-            <a:schemeClr val="accent1"/>
-          </a:effectRef>
-          <a:fontRef idx="minor">
-            <a:schemeClr val="lt1"/>
-          </a:fontRef>
-        </p:style>
-        <p:txBody>
-          <a:bodyPr rtlCol="0" anchor="ctr"/>
-          <a:lstStyle/>
-          <a:p>
-            <a:pPr marR="0" lvl="0" algn="l" defTabSz="914400" rtl="0" eaLnBrk="0" fontAlgn="base" latinLnBrk="0" hangingPunct="0">
-              <a:lnSpc>
-                <a:spcPct val="100000"/>
-              </a:lnSpc>
-              <a:spcBef>
-                <a:spcPct val="0"/>
-              </a:spcBef>
-              <a:spcAft>
-                <a:spcPct val="0"/>
-              </a:spcAft>
-              <a:buClrTx/>
-              <a:buSzTx/>
-              <a:tabLst/>
-            </a:pPr>
-            <a:r>
-              <a:rPr lang="zh-CN" altLang="en-US" sz="4000" dirty="0">
-                <a:solidFill>
-                  <a:srgbClr val="0B3A8C"/>
-                </a:solidFill>
-                <a:latin typeface="微软雅黑" panose="020B0503020204020204" pitchFamily="34" charset="-122"/>
-                <a:ea typeface="微软雅黑" panose="020B0503020204020204" pitchFamily="34" charset="-122"/>
-              </a:rPr>
-              <a:t>常用的命令</a:t>
-            </a:r>
-            <a:endParaRPr lang="zh-CN" altLang="zh-CN" sz="4000" dirty="0">
-              <a:solidFill>
-                <a:srgbClr val="0B3A8C"/>
-              </a:solidFill>
-              <a:latin typeface="微软雅黑" panose="020B0503020204020204" pitchFamily="34" charset="-122"/>
-              <a:ea typeface="微软雅黑" panose="020B0503020204020204" pitchFamily="34" charset="-122"/>
-            </a:endParaRPr>
-          </a:p>
-          <a:p>
-            <a:pPr algn="ctr"/>
-            <a:endParaRPr lang="zh-CN" altLang="en-US" sz="4000" dirty="0"/>
-          </a:p>
-        </p:txBody>
-      </p:sp>
-      <p:sp>
-        <p:nvSpPr>
-          <p:cNvPr id="14" name="矩形 13">
-            <a:extLst>
-              <a:ext uri="{FF2B5EF4-FFF2-40B4-BE49-F238E27FC236}">
-                <a16:creationId xmlns:a16="http://schemas.microsoft.com/office/drawing/2014/main" id="{576C70BA-F4A0-4B77-957E-26165C2ED946}"/>
-              </a:ext>
-            </a:extLst>
-          </p:cNvPr>
-          <p:cNvSpPr/>
-          <p:nvPr/>
-        </p:nvSpPr>
-        <p:spPr>
-          <a:xfrm>
             <a:off x="-2" y="921893"/>
             <a:ext cx="11677339" cy="1536494"/>
           </a:xfrm>
@@ -16575,7 +16500,7 @@
 </p:sld>
 </file>
 
-<file path=ppt/slides/slide33.xml><?xml version="1.0" encoding="utf-8"?>
+<file path=ppt/slides/slide32.xml><?xml version="1.0" encoding="utf-8"?>
 <p:sld xmlns:a="http://schemas.openxmlformats.org/drawingml/2006/main" xmlns:r="http://schemas.openxmlformats.org/officeDocument/2006/relationships" xmlns:p="http://schemas.openxmlformats.org/presentationml/2006/main">
   <p:cSld>
     <p:spTree>
@@ -16642,7 +16567,7 @@
 </p:sld>
 </file>
 
-<file path=ppt/slides/slide34.xml><?xml version="1.0" encoding="utf-8"?>
+<file path=ppt/slides/slide33.xml><?xml version="1.0" encoding="utf-8"?>
 <p:sld xmlns:a="http://schemas.openxmlformats.org/drawingml/2006/main" xmlns:r="http://schemas.openxmlformats.org/officeDocument/2006/relationships" xmlns:p="http://schemas.openxmlformats.org/presentationml/2006/main">
   <p:cSld>
     <p:spTree>
@@ -17130,7 +17055,7 @@
 </p:sld>
 </file>
 
-<file path=ppt/slides/slide35.xml><?xml version="1.0" encoding="utf-8"?>
+<file path=ppt/slides/slide34.xml><?xml version="1.0" encoding="utf-8"?>
 <p:sld xmlns:a="http://schemas.openxmlformats.org/drawingml/2006/main" xmlns:r="http://schemas.openxmlformats.org/officeDocument/2006/relationships" xmlns:p="http://schemas.openxmlformats.org/presentationml/2006/main">
   <p:cSld>
     <p:spTree>
@@ -17202,7 +17127,7 @@
 </p:sld>
 </file>
 
-<file path=ppt/slides/slide36.xml><?xml version="1.0" encoding="utf-8"?>
+<file path=ppt/slides/slide35.xml><?xml version="1.0" encoding="utf-8"?>
 <p:sld xmlns:a="http://schemas.openxmlformats.org/drawingml/2006/main" xmlns:r="http://schemas.openxmlformats.org/officeDocument/2006/relationships" xmlns:p="http://schemas.openxmlformats.org/presentationml/2006/main">
   <p:cSld>
     <p:spTree>
@@ -17825,7 +17750,7 @@
 </p:sld>
 </file>
 
-<file path=ppt/slides/slide37.xml><?xml version="1.0" encoding="utf-8"?>
+<file path=ppt/slides/slide36.xml><?xml version="1.0" encoding="utf-8"?>
 <p:sld xmlns:a="http://schemas.openxmlformats.org/drawingml/2006/main" xmlns:r="http://schemas.openxmlformats.org/officeDocument/2006/relationships" xmlns:p="http://schemas.openxmlformats.org/presentationml/2006/main">
   <p:cSld>
     <p:spTree>
@@ -17897,7 +17822,7 @@
 </p:sld>
 </file>
 
-<file path=ppt/slides/slide38.xml><?xml version="1.0" encoding="utf-8"?>
+<file path=ppt/slides/slide37.xml><?xml version="1.0" encoding="utf-8"?>
 <p:sld xmlns:a="http://schemas.openxmlformats.org/drawingml/2006/main" xmlns:r="http://schemas.openxmlformats.org/officeDocument/2006/relationships" xmlns:p="http://schemas.openxmlformats.org/presentationml/2006/main">
   <p:cSld>
     <p:spTree>
